--- a/note/Presentation1.pptx
+++ b/note/Presentation1.pptx
@@ -5,7 +5,7 @@
     <p:sldMasterId id="2147483648" r:id="rId1"/>
   </p:sldMasterIdLst>
   <p:notesMasterIdLst>
-    <p:notesMasterId r:id="rId70"/>
+    <p:notesMasterId r:id="rId77"/>
   </p:notesMasterIdLst>
   <p:sldIdLst>
     <p:sldId id="256" r:id="rId2"/>
@@ -76,6 +76,13 @@
     <p:sldId id="332" r:id="rId67"/>
     <p:sldId id="333" r:id="rId68"/>
     <p:sldId id="334" r:id="rId69"/>
+    <p:sldId id="335" r:id="rId70"/>
+    <p:sldId id="336" r:id="rId71"/>
+    <p:sldId id="337" r:id="rId72"/>
+    <p:sldId id="339" r:id="rId73"/>
+    <p:sldId id="340" r:id="rId74"/>
+    <p:sldId id="338" r:id="rId75"/>
+    <p:sldId id="341" r:id="rId76"/>
   </p:sldIdLst>
   <p:sldSz cx="12192000" cy="6858000"/>
   <p:notesSz cx="6858000" cy="9144000"/>
@@ -264,7 +271,7 @@
           <a:p>
             <a:fld id="{72646578-14F6-4B4C-9607-C52529FEB0BF}" type="datetimeFigureOut">
               <a:rPr lang="en-US" smtClean="0"/>
-              <a:t>3/4/24</a:t>
+              <a:t>3/25/24</a:t>
             </a:fld>
             <a:endParaRPr lang="en-US"/>
           </a:p>
@@ -1881,7 +1888,7 @@
           <a:p>
             <a:fld id="{78CD1D6E-A027-634F-BC83-5ADA8E496EAB}" type="datetimeFigureOut">
               <a:rPr lang="en-US" smtClean="0"/>
-              <a:t>3/4/24</a:t>
+              <a:t>3/25/24</a:t>
             </a:fld>
             <a:endParaRPr lang="en-US"/>
           </a:p>
@@ -2079,7 +2086,7 @@
           <a:p>
             <a:fld id="{78CD1D6E-A027-634F-BC83-5ADA8E496EAB}" type="datetimeFigureOut">
               <a:rPr lang="en-US" smtClean="0"/>
-              <a:t>3/4/24</a:t>
+              <a:t>3/25/24</a:t>
             </a:fld>
             <a:endParaRPr lang="en-US"/>
           </a:p>
@@ -2287,7 +2294,7 @@
           <a:p>
             <a:fld id="{78CD1D6E-A027-634F-BC83-5ADA8E496EAB}" type="datetimeFigureOut">
               <a:rPr lang="en-US" smtClean="0"/>
-              <a:t>3/4/24</a:t>
+              <a:t>3/25/24</a:t>
             </a:fld>
             <a:endParaRPr lang="en-US"/>
           </a:p>
@@ -2485,7 +2492,7 @@
           <a:p>
             <a:fld id="{78CD1D6E-A027-634F-BC83-5ADA8E496EAB}" type="datetimeFigureOut">
               <a:rPr lang="en-US" smtClean="0"/>
-              <a:t>3/4/24</a:t>
+              <a:t>3/25/24</a:t>
             </a:fld>
             <a:endParaRPr lang="en-US"/>
           </a:p>
@@ -2760,7 +2767,7 @@
           <a:p>
             <a:fld id="{78CD1D6E-A027-634F-BC83-5ADA8E496EAB}" type="datetimeFigureOut">
               <a:rPr lang="en-US" smtClean="0"/>
-              <a:t>3/4/24</a:t>
+              <a:t>3/25/24</a:t>
             </a:fld>
             <a:endParaRPr lang="en-US"/>
           </a:p>
@@ -3025,7 +3032,7 @@
           <a:p>
             <a:fld id="{78CD1D6E-A027-634F-BC83-5ADA8E496EAB}" type="datetimeFigureOut">
               <a:rPr lang="en-US" smtClean="0"/>
-              <a:t>3/4/24</a:t>
+              <a:t>3/25/24</a:t>
             </a:fld>
             <a:endParaRPr lang="en-US"/>
           </a:p>
@@ -3437,7 +3444,7 @@
           <a:p>
             <a:fld id="{78CD1D6E-A027-634F-BC83-5ADA8E496EAB}" type="datetimeFigureOut">
               <a:rPr lang="en-US" smtClean="0"/>
-              <a:t>3/4/24</a:t>
+              <a:t>3/25/24</a:t>
             </a:fld>
             <a:endParaRPr lang="en-US"/>
           </a:p>
@@ -3578,7 +3585,7 @@
           <a:p>
             <a:fld id="{78CD1D6E-A027-634F-BC83-5ADA8E496EAB}" type="datetimeFigureOut">
               <a:rPr lang="en-US" smtClean="0"/>
-              <a:t>3/4/24</a:t>
+              <a:t>3/25/24</a:t>
             </a:fld>
             <a:endParaRPr lang="en-US"/>
           </a:p>
@@ -3691,7 +3698,7 @@
           <a:p>
             <a:fld id="{78CD1D6E-A027-634F-BC83-5ADA8E496EAB}" type="datetimeFigureOut">
               <a:rPr lang="en-US" smtClean="0"/>
-              <a:t>3/4/24</a:t>
+              <a:t>3/25/24</a:t>
             </a:fld>
             <a:endParaRPr lang="en-US"/>
           </a:p>
@@ -4002,7 +4009,7 @@
           <a:p>
             <a:fld id="{78CD1D6E-A027-634F-BC83-5ADA8E496EAB}" type="datetimeFigureOut">
               <a:rPr lang="en-US" smtClean="0"/>
-              <a:t>3/4/24</a:t>
+              <a:t>3/25/24</a:t>
             </a:fld>
             <a:endParaRPr lang="en-US"/>
           </a:p>
@@ -4290,7 +4297,7 @@
           <a:p>
             <a:fld id="{78CD1D6E-A027-634F-BC83-5ADA8E496EAB}" type="datetimeFigureOut">
               <a:rPr lang="en-US" smtClean="0"/>
-              <a:t>3/4/24</a:t>
+              <a:t>3/25/24</a:t>
             </a:fld>
             <a:endParaRPr lang="en-US"/>
           </a:p>
@@ -4531,7 +4538,7 @@
           <a:p>
             <a:fld id="{78CD1D6E-A027-634F-BC83-5ADA8E496EAB}" type="datetimeFigureOut">
               <a:rPr lang="en-US" smtClean="0"/>
-              <a:t>3/4/24</a:t>
+              <a:t>3/25/24</a:t>
             </a:fld>
             <a:endParaRPr lang="en-US"/>
           </a:p>
@@ -17061,6 +17068,98 @@
 </p:sld>
 </file>
 
+<file path=ppt/slides/slide69.xml><?xml version="1.0" encoding="utf-8"?>
+<p:sld xmlns:a="http://schemas.openxmlformats.org/drawingml/2006/main" xmlns:r="http://schemas.openxmlformats.org/officeDocument/2006/relationships" xmlns:p="http://schemas.openxmlformats.org/presentationml/2006/main">
+  <p:cSld>
+    <p:spTree>
+      <p:nvGrpSpPr>
+        <p:cNvPr id="1" name=""/>
+        <p:cNvGrpSpPr/>
+        <p:nvPr/>
+      </p:nvGrpSpPr>
+      <p:grpSpPr>
+        <a:xfrm>
+          <a:off x="0" y="0"/>
+          <a:ext cx="0" cy="0"/>
+          <a:chOff x="0" y="0"/>
+          <a:chExt cx="0" cy="0"/>
+        </a:xfrm>
+      </p:grpSpPr>
+      <p:sp>
+        <p:nvSpPr>
+          <p:cNvPr id="2" name="Title 1">
+            <a:extLst>
+              <a:ext uri="{FF2B5EF4-FFF2-40B4-BE49-F238E27FC236}">
+                <a16:creationId xmlns:a16="http://schemas.microsoft.com/office/drawing/2014/main" id="{4841E198-32F9-8A79-975B-52E3906950C0}"/>
+              </a:ext>
+            </a:extLst>
+          </p:cNvPr>
+          <p:cNvSpPr>
+            <a:spLocks noGrp="1"/>
+          </p:cNvSpPr>
+          <p:nvPr>
+            <p:ph type="title"/>
+          </p:nvPr>
+        </p:nvSpPr>
+        <p:spPr/>
+        <p:txBody>
+          <a:bodyPr/>
+          <a:lstStyle/>
+          <a:p>
+            <a:r>
+              <a:rPr lang="en-US" dirty="0"/>
+              <a:t>Deep learning</a:t>
+            </a:r>
+          </a:p>
+        </p:txBody>
+      </p:sp>
+      <p:sp>
+        <p:nvSpPr>
+          <p:cNvPr id="3" name="Content Placeholder 2">
+            <a:extLst>
+              <a:ext uri="{FF2B5EF4-FFF2-40B4-BE49-F238E27FC236}">
+                <a16:creationId xmlns:a16="http://schemas.microsoft.com/office/drawing/2014/main" id="{4916744A-37C3-A9C4-B238-05AC2549E962}"/>
+              </a:ext>
+            </a:extLst>
+          </p:cNvPr>
+          <p:cNvSpPr>
+            <a:spLocks noGrp="1"/>
+          </p:cNvSpPr>
+          <p:nvPr>
+            <p:ph idx="1"/>
+          </p:nvPr>
+        </p:nvSpPr>
+        <p:spPr/>
+        <p:txBody>
+          <a:bodyPr/>
+          <a:lstStyle/>
+          <a:p>
+            <a:r>
+              <a:rPr lang="en-US" dirty="0"/>
+              <a:t>LSTM</a:t>
+            </a:r>
+          </a:p>
+          <a:p>
+            <a:r>
+              <a:rPr lang="en-US" dirty="0"/>
+              <a:t>1D_CNN</a:t>
+            </a:r>
+          </a:p>
+        </p:txBody>
+      </p:sp>
+    </p:spTree>
+    <p:extLst>
+      <p:ext uri="{BB962C8B-B14F-4D97-AF65-F5344CB8AC3E}">
+        <p14:creationId xmlns:p14="http://schemas.microsoft.com/office/powerpoint/2010/main" val="599263323"/>
+      </p:ext>
+    </p:extLst>
+  </p:cSld>
+  <p:clrMapOvr>
+    <a:masterClrMapping/>
+  </p:clrMapOvr>
+</p:sld>
+</file>
+
 <file path=ppt/slides/slide7.xml><?xml version="1.0" encoding="utf-8"?>
 <p:sld xmlns:a="http://schemas.openxmlformats.org/drawingml/2006/main" xmlns:r="http://schemas.openxmlformats.org/officeDocument/2006/relationships" xmlns:p="http://schemas.openxmlformats.org/presentationml/2006/main">
   <p:cSld>
@@ -17132,6 +17231,2307 @@
     <p:extLst>
       <p:ext uri="{BB962C8B-B14F-4D97-AF65-F5344CB8AC3E}">
         <p14:creationId xmlns:p14="http://schemas.microsoft.com/office/powerpoint/2010/main" val="4267386955"/>
+      </p:ext>
+    </p:extLst>
+  </p:cSld>
+  <p:clrMapOvr>
+    <a:masterClrMapping/>
+  </p:clrMapOvr>
+</p:sld>
+</file>
+
+<file path=ppt/slides/slide70.xml><?xml version="1.0" encoding="utf-8"?>
+<p:sld xmlns:a="http://schemas.openxmlformats.org/drawingml/2006/main" xmlns:r="http://schemas.openxmlformats.org/officeDocument/2006/relationships" xmlns:p="http://schemas.openxmlformats.org/presentationml/2006/main">
+  <p:cSld>
+    <p:spTree>
+      <p:nvGrpSpPr>
+        <p:cNvPr id="1" name=""/>
+        <p:cNvGrpSpPr/>
+        <p:nvPr/>
+      </p:nvGrpSpPr>
+      <p:grpSpPr>
+        <a:xfrm>
+          <a:off x="0" y="0"/>
+          <a:ext cx="0" cy="0"/>
+          <a:chOff x="0" y="0"/>
+          <a:chExt cx="0" cy="0"/>
+        </a:xfrm>
+      </p:grpSpPr>
+      <p:sp>
+        <p:nvSpPr>
+          <p:cNvPr id="2" name="Title 1">
+            <a:extLst>
+              <a:ext uri="{FF2B5EF4-FFF2-40B4-BE49-F238E27FC236}">
+                <a16:creationId xmlns:a16="http://schemas.microsoft.com/office/drawing/2014/main" id="{08EEC045-ED42-D331-524B-E60F1827AE60}"/>
+              </a:ext>
+            </a:extLst>
+          </p:cNvPr>
+          <p:cNvSpPr>
+            <a:spLocks noGrp="1"/>
+          </p:cNvSpPr>
+          <p:nvPr>
+            <p:ph type="title"/>
+          </p:nvPr>
+        </p:nvSpPr>
+        <p:spPr/>
+        <p:txBody>
+          <a:bodyPr/>
+          <a:lstStyle/>
+          <a:p>
+            <a:r>
+              <a:rPr lang="en-US" dirty="0"/>
+              <a:t>Data Cleaning</a:t>
+            </a:r>
+          </a:p>
+        </p:txBody>
+      </p:sp>
+      <p:sp>
+        <p:nvSpPr>
+          <p:cNvPr id="3" name="Content Placeholder 2">
+            <a:extLst>
+              <a:ext uri="{FF2B5EF4-FFF2-40B4-BE49-F238E27FC236}">
+                <a16:creationId xmlns:a16="http://schemas.microsoft.com/office/drawing/2014/main" id="{BAC94692-E340-DEAE-03B3-967F85592B21}"/>
+              </a:ext>
+            </a:extLst>
+          </p:cNvPr>
+          <p:cNvSpPr>
+            <a:spLocks noGrp="1"/>
+          </p:cNvSpPr>
+          <p:nvPr>
+            <p:ph idx="1"/>
+          </p:nvPr>
+        </p:nvSpPr>
+        <p:spPr/>
+        <p:txBody>
+          <a:bodyPr/>
+          <a:lstStyle/>
+          <a:p>
+            <a:r>
+              <a:rPr lang="en-US" dirty="0"/>
+              <a:t>Remove unusually large or small files</a:t>
+            </a:r>
+          </a:p>
+          <a:p>
+            <a:r>
+              <a:rPr lang="en-US" altLang="zh-CN" dirty="0"/>
+              <a:t>Remove</a:t>
+            </a:r>
+            <a:r>
+              <a:rPr lang="zh-CN" altLang="en-US" dirty="0"/>
+              <a:t> </a:t>
+            </a:r>
+            <a:r>
+              <a:rPr lang="en-US" altLang="zh-CN" dirty="0"/>
+              <a:t>duration</a:t>
+            </a:r>
+            <a:r>
+              <a:rPr lang="zh-CN" altLang="en-US" dirty="0"/>
+              <a:t> </a:t>
+            </a:r>
+            <a:r>
+              <a:rPr lang="en-US" altLang="zh-CN" dirty="0"/>
+              <a:t>time</a:t>
+            </a:r>
+            <a:r>
+              <a:rPr lang="zh-CN" altLang="en-US" dirty="0"/>
+              <a:t> </a:t>
+            </a:r>
+            <a:r>
+              <a:rPr lang="en-US" altLang="zh-CN" dirty="0"/>
+              <a:t>less</a:t>
+            </a:r>
+            <a:r>
+              <a:rPr lang="zh-CN" altLang="en-US" dirty="0"/>
+              <a:t> </a:t>
+            </a:r>
+            <a:r>
+              <a:rPr lang="en-US" altLang="zh-CN" dirty="0"/>
+              <a:t>than</a:t>
+            </a:r>
+            <a:r>
+              <a:rPr lang="zh-CN" altLang="en-US" dirty="0"/>
+              <a:t> </a:t>
+            </a:r>
+            <a:r>
+              <a:rPr lang="en-US" altLang="zh-CN" dirty="0"/>
+              <a:t>1</a:t>
+            </a:r>
+            <a:r>
+              <a:rPr lang="zh-CN" altLang="en-US" dirty="0"/>
+              <a:t> </a:t>
+            </a:r>
+            <a:r>
+              <a:rPr lang="en-US" altLang="zh-CN" dirty="0"/>
+              <a:t>sec</a:t>
+            </a:r>
+            <a:r>
+              <a:rPr lang="zh-CN" altLang="en-US" dirty="0"/>
+              <a:t> </a:t>
+            </a:r>
+            <a:endParaRPr lang="en-US" dirty="0"/>
+          </a:p>
+        </p:txBody>
+      </p:sp>
+    </p:spTree>
+    <p:extLst>
+      <p:ext uri="{BB962C8B-B14F-4D97-AF65-F5344CB8AC3E}">
+        <p14:creationId xmlns:p14="http://schemas.microsoft.com/office/powerpoint/2010/main" val="3463270214"/>
+      </p:ext>
+    </p:extLst>
+  </p:cSld>
+  <p:clrMapOvr>
+    <a:masterClrMapping/>
+  </p:clrMapOvr>
+</p:sld>
+</file>
+
+<file path=ppt/slides/slide71.xml><?xml version="1.0" encoding="utf-8"?>
+<p:sld xmlns:a="http://schemas.openxmlformats.org/drawingml/2006/main" xmlns:r="http://schemas.openxmlformats.org/officeDocument/2006/relationships" xmlns:p="http://schemas.openxmlformats.org/presentationml/2006/main">
+  <p:cSld>
+    <p:spTree>
+      <p:nvGrpSpPr>
+        <p:cNvPr id="1" name=""/>
+        <p:cNvGrpSpPr/>
+        <p:nvPr/>
+      </p:nvGrpSpPr>
+      <p:grpSpPr>
+        <a:xfrm>
+          <a:off x="0" y="0"/>
+          <a:ext cx="0" cy="0"/>
+          <a:chOff x="0" y="0"/>
+          <a:chExt cx="0" cy="0"/>
+        </a:xfrm>
+      </p:grpSpPr>
+      <p:sp>
+        <p:nvSpPr>
+          <p:cNvPr id="2" name="Title 1">
+            <a:extLst>
+              <a:ext uri="{FF2B5EF4-FFF2-40B4-BE49-F238E27FC236}">
+                <a16:creationId xmlns:a16="http://schemas.microsoft.com/office/drawing/2014/main" id="{6FAD9E38-4123-25D3-54BE-5CBB8CE2F4D4}"/>
+              </a:ext>
+            </a:extLst>
+          </p:cNvPr>
+          <p:cNvSpPr>
+            <a:spLocks noGrp="1"/>
+          </p:cNvSpPr>
+          <p:nvPr>
+            <p:ph type="title"/>
+          </p:nvPr>
+        </p:nvSpPr>
+        <p:spPr/>
+        <p:txBody>
+          <a:bodyPr/>
+          <a:lstStyle/>
+          <a:p>
+            <a:r>
+              <a:rPr lang="en-US" altLang="zh-CN" dirty="0"/>
+              <a:t>Features</a:t>
+            </a:r>
+            <a:r>
+              <a:rPr lang="zh-CN" altLang="en-US" dirty="0"/>
+              <a:t> </a:t>
+            </a:r>
+            <a:r>
+              <a:rPr lang="en-US" altLang="zh-CN" dirty="0"/>
+              <a:t>Extraction</a:t>
+            </a:r>
+            <a:r>
+              <a:rPr lang="zh-CN" altLang="en-US" dirty="0"/>
+              <a:t> </a:t>
+            </a:r>
+            <a:r>
+              <a:rPr lang="en-US" altLang="zh-CN" dirty="0"/>
+              <a:t>for</a:t>
+            </a:r>
+            <a:r>
+              <a:rPr lang="zh-CN" altLang="en-US" dirty="0"/>
+              <a:t> </a:t>
+            </a:r>
+            <a:r>
+              <a:rPr lang="en-US" altLang="zh-CN" dirty="0"/>
+              <a:t>Traffic</a:t>
+            </a:r>
+            <a:r>
+              <a:rPr lang="zh-CN" altLang="en-US" dirty="0"/>
+              <a:t> </a:t>
+            </a:r>
+            <a:r>
+              <a:rPr lang="en-US" altLang="zh-CN" dirty="0"/>
+              <a:t>Analysis(I/O)</a:t>
+            </a:r>
+            <a:r>
+              <a:rPr lang="zh-CN" altLang="en-US" dirty="0"/>
+              <a:t>  </a:t>
+            </a:r>
+            <a:endParaRPr lang="en-US" dirty="0"/>
+          </a:p>
+        </p:txBody>
+      </p:sp>
+      <p:sp>
+        <p:nvSpPr>
+          <p:cNvPr id="3" name="Content Placeholder 2">
+            <a:extLst>
+              <a:ext uri="{FF2B5EF4-FFF2-40B4-BE49-F238E27FC236}">
+                <a16:creationId xmlns:a16="http://schemas.microsoft.com/office/drawing/2014/main" id="{59445FE8-3FB2-A62F-FAD0-D0E358AB4190}"/>
+              </a:ext>
+            </a:extLst>
+          </p:cNvPr>
+          <p:cNvSpPr>
+            <a:spLocks noGrp="1"/>
+          </p:cNvSpPr>
+          <p:nvPr>
+            <p:ph idx="1"/>
+          </p:nvPr>
+        </p:nvSpPr>
+        <p:spPr/>
+        <p:txBody>
+          <a:bodyPr>
+            <a:normAutofit/>
+          </a:bodyPr>
+          <a:lstStyle/>
+          <a:p>
+            <a:r>
+              <a:rPr lang="en-US" altLang="zh-CN" dirty="0"/>
+              <a:t>Statistical</a:t>
+            </a:r>
+            <a:r>
+              <a:rPr lang="zh-CN" altLang="en-US" dirty="0"/>
+              <a:t> </a:t>
+            </a:r>
+            <a:r>
+              <a:rPr lang="en-US" altLang="zh-CN" dirty="0"/>
+              <a:t>Features:</a:t>
+            </a:r>
+            <a:r>
+              <a:rPr lang="zh-CN" altLang="en-US" dirty="0"/>
+              <a:t> </a:t>
+            </a:r>
+            <a:endParaRPr lang="en-US" altLang="zh-CN" dirty="0"/>
+          </a:p>
+          <a:p>
+            <a:pPr lvl="1"/>
+            <a:r>
+              <a:rPr lang="en-US" altLang="zh-CN" dirty="0"/>
+              <a:t>Mean, Standard Deviation, Variance, Max, Min, Range, Median, MAD, Skewness, Kurtosis:</a:t>
+            </a:r>
+            <a:r>
+              <a:rPr lang="zh-CN" altLang="en-US" dirty="0"/>
+              <a:t> </a:t>
+            </a:r>
+            <a:r>
+              <a:rPr lang="en-US" altLang="zh-CN" dirty="0"/>
+              <a:t>The</a:t>
+            </a:r>
+            <a:r>
+              <a:rPr lang="zh-CN" altLang="en-US" dirty="0"/>
+              <a:t> </a:t>
+            </a:r>
+            <a:r>
+              <a:rPr lang="en-US" altLang="zh-CN" dirty="0"/>
+              <a:t>size</a:t>
+            </a:r>
+            <a:r>
+              <a:rPr lang="zh-CN" altLang="en-US" dirty="0"/>
+              <a:t> </a:t>
+            </a:r>
+            <a:r>
+              <a:rPr lang="en-US" altLang="zh-CN" dirty="0"/>
+              <a:t>distribution</a:t>
+            </a:r>
+            <a:r>
+              <a:rPr lang="zh-CN" altLang="en-US" dirty="0"/>
+              <a:t> </a:t>
+            </a:r>
+            <a:r>
+              <a:rPr lang="en-US" altLang="zh-CN" dirty="0"/>
+              <a:t>of</a:t>
+            </a:r>
+            <a:r>
+              <a:rPr lang="zh-CN" altLang="en-US" dirty="0"/>
+              <a:t> </a:t>
+            </a:r>
+            <a:r>
+              <a:rPr lang="en-US" altLang="zh-CN" dirty="0"/>
+              <a:t>packets</a:t>
+            </a:r>
+          </a:p>
+          <a:p>
+            <a:r>
+              <a:rPr lang="en-US" altLang="zh-CN" dirty="0"/>
+              <a:t>Temporal</a:t>
+            </a:r>
+            <a:r>
+              <a:rPr lang="zh-CN" altLang="en-US" dirty="0"/>
+              <a:t> </a:t>
+            </a:r>
+            <a:r>
+              <a:rPr lang="en-US" altLang="zh-CN" dirty="0"/>
+              <a:t>Features:</a:t>
+            </a:r>
+          </a:p>
+          <a:p>
+            <a:pPr lvl="1"/>
+            <a:r>
+              <a:rPr lang="en-US" altLang="zh-CN" b="1" dirty="0"/>
+              <a:t>Duration</a:t>
+            </a:r>
+            <a:r>
+              <a:rPr lang="en-US" altLang="zh-CN" dirty="0"/>
+              <a:t>:</a:t>
+            </a:r>
+            <a:r>
+              <a:rPr lang="zh-CN" altLang="en-US" dirty="0"/>
+              <a:t> </a:t>
+            </a:r>
+            <a:r>
+              <a:rPr lang="en-US" altLang="zh-CN" dirty="0"/>
+              <a:t>Time</a:t>
+            </a:r>
+            <a:r>
+              <a:rPr lang="zh-CN" altLang="en-US" dirty="0"/>
+              <a:t> </a:t>
+            </a:r>
+            <a:r>
+              <a:rPr lang="en-US" altLang="zh-CN" dirty="0"/>
+              <a:t>taken</a:t>
+            </a:r>
+            <a:r>
+              <a:rPr lang="zh-CN" altLang="en-US" dirty="0"/>
+              <a:t> </a:t>
+            </a:r>
+            <a:r>
+              <a:rPr lang="en-US" altLang="zh-CN" dirty="0"/>
+              <a:t>for</a:t>
+            </a:r>
+            <a:r>
+              <a:rPr lang="zh-CN" altLang="en-US" dirty="0"/>
+              <a:t> </a:t>
+            </a:r>
+            <a:r>
+              <a:rPr lang="en-US" altLang="zh-CN" dirty="0"/>
+              <a:t>a</a:t>
+            </a:r>
+            <a:r>
+              <a:rPr lang="zh-CN" altLang="en-US" dirty="0"/>
+              <a:t> </a:t>
+            </a:r>
+            <a:r>
+              <a:rPr lang="en-US" altLang="zh-CN" dirty="0"/>
+              <a:t>complete</a:t>
+            </a:r>
+            <a:r>
+              <a:rPr lang="zh-CN" altLang="en-US" dirty="0"/>
+              <a:t> </a:t>
+            </a:r>
+            <a:r>
+              <a:rPr lang="en-US" altLang="zh-CN" dirty="0"/>
+              <a:t>interaction</a:t>
+            </a:r>
+            <a:r>
+              <a:rPr lang="zh-CN" altLang="en-US" dirty="0"/>
+              <a:t> </a:t>
+            </a:r>
+            <a:r>
+              <a:rPr lang="en-US" altLang="zh-CN" dirty="0"/>
+              <a:t>cycle</a:t>
+            </a:r>
+          </a:p>
+          <a:p>
+            <a:pPr lvl="1"/>
+            <a:r>
+              <a:rPr lang="en-US" altLang="zh-CN" b="1" dirty="0"/>
+              <a:t>RMS,</a:t>
+            </a:r>
+            <a:r>
+              <a:rPr lang="zh-CN" altLang="en-US" b="1" dirty="0"/>
+              <a:t> </a:t>
+            </a:r>
+            <a:r>
+              <a:rPr lang="en-US" altLang="zh-CN" b="1" dirty="0"/>
+              <a:t>SMA</a:t>
+            </a:r>
+            <a:r>
+              <a:rPr lang="en-US" altLang="zh-CN" dirty="0"/>
+              <a:t>:</a:t>
+            </a:r>
+            <a:r>
+              <a:rPr lang="zh-CN" altLang="en-US" dirty="0"/>
+              <a:t> </a:t>
+            </a:r>
+            <a:r>
+              <a:rPr lang="en-US" altLang="zh-CN" dirty="0"/>
+              <a:t>Reflect</a:t>
+            </a:r>
+            <a:r>
+              <a:rPr lang="zh-CN" altLang="en-US" dirty="0"/>
+              <a:t> </a:t>
+            </a:r>
+            <a:r>
+              <a:rPr lang="en-US" altLang="zh-CN" dirty="0"/>
+              <a:t>the</a:t>
+            </a:r>
+            <a:r>
+              <a:rPr lang="zh-CN" altLang="en-US" dirty="0"/>
+              <a:t> </a:t>
+            </a:r>
+            <a:r>
+              <a:rPr lang="en-US" altLang="zh-CN" dirty="0"/>
+              <a:t>‘energy’</a:t>
+            </a:r>
+            <a:r>
+              <a:rPr lang="zh-CN" altLang="en-US" dirty="0"/>
+              <a:t> </a:t>
+            </a:r>
+            <a:r>
+              <a:rPr lang="en-US" altLang="zh-CN" dirty="0"/>
+              <a:t>or</a:t>
+            </a:r>
+            <a:r>
+              <a:rPr lang="zh-CN" altLang="en-US" dirty="0"/>
+              <a:t> </a:t>
+            </a:r>
+            <a:r>
+              <a:rPr lang="en-US" altLang="zh-CN" dirty="0"/>
+              <a:t>intensity</a:t>
+            </a:r>
+            <a:r>
+              <a:rPr lang="zh-CN" altLang="en-US" dirty="0"/>
+              <a:t> </a:t>
+            </a:r>
+            <a:r>
+              <a:rPr lang="en-US" altLang="zh-CN" dirty="0"/>
+              <a:t>of</a:t>
+            </a:r>
+            <a:r>
+              <a:rPr lang="zh-CN" altLang="en-US" dirty="0"/>
+              <a:t> </a:t>
+            </a:r>
+            <a:r>
+              <a:rPr lang="en-US" altLang="zh-CN" dirty="0"/>
+              <a:t>the</a:t>
+            </a:r>
+            <a:r>
+              <a:rPr lang="zh-CN" altLang="en-US" dirty="0"/>
+              <a:t> </a:t>
+            </a:r>
+            <a:r>
+              <a:rPr lang="en-US" altLang="zh-CN" dirty="0"/>
+              <a:t>traffic</a:t>
+            </a:r>
+          </a:p>
+          <a:p>
+            <a:r>
+              <a:rPr lang="en-US" altLang="zh-CN" dirty="0"/>
+              <a:t>Spectral</a:t>
+            </a:r>
+            <a:r>
+              <a:rPr lang="zh-CN" altLang="en-US" dirty="0"/>
+              <a:t> </a:t>
+            </a:r>
+            <a:r>
+              <a:rPr lang="en-US" altLang="zh-CN" dirty="0"/>
+              <a:t>Features:</a:t>
+            </a:r>
+          </a:p>
+          <a:p>
+            <a:pPr lvl="1"/>
+            <a:r>
+              <a:rPr lang="en-US" altLang="zh-CN" dirty="0"/>
+              <a:t>FFT, Spectral Centroid, Spectral </a:t>
+            </a:r>
+            <a:r>
+              <a:rPr lang="en-US" altLang="zh-CN" dirty="0" err="1"/>
+              <a:t>Rolloff</a:t>
+            </a:r>
+            <a:r>
+              <a:rPr lang="en-US" altLang="zh-CN" dirty="0"/>
+              <a:t>, Spectral Flux, Spectral Entropy:</a:t>
+            </a:r>
+          </a:p>
+          <a:p>
+            <a:pPr lvl="1"/>
+            <a:r>
+              <a:rPr lang="en-US" altLang="zh-CN" dirty="0"/>
+              <a:t>Frequency</a:t>
+            </a:r>
+            <a:r>
+              <a:rPr lang="zh-CN" altLang="en-US" dirty="0"/>
+              <a:t> </a:t>
+            </a:r>
+            <a:r>
+              <a:rPr lang="en-US" altLang="zh-CN" dirty="0"/>
+              <a:t>domain</a:t>
+            </a:r>
+            <a:r>
+              <a:rPr lang="zh-CN" altLang="en-US" dirty="0"/>
+              <a:t> </a:t>
+            </a:r>
+            <a:r>
+              <a:rPr lang="en-US" altLang="zh-CN" dirty="0"/>
+              <a:t>representation</a:t>
+            </a:r>
+            <a:r>
+              <a:rPr lang="zh-CN" altLang="en-US" dirty="0"/>
+              <a:t> </a:t>
+            </a:r>
+            <a:r>
+              <a:rPr lang="en-US" altLang="zh-CN" dirty="0"/>
+              <a:t>of</a:t>
+            </a:r>
+            <a:r>
+              <a:rPr lang="zh-CN" altLang="en-US" dirty="0"/>
+              <a:t> </a:t>
+            </a:r>
+            <a:r>
+              <a:rPr lang="en-US" altLang="zh-CN" dirty="0"/>
+              <a:t>packet</a:t>
+            </a:r>
+            <a:r>
+              <a:rPr lang="zh-CN" altLang="en-US" dirty="0"/>
+              <a:t> </a:t>
+            </a:r>
+            <a:r>
+              <a:rPr lang="en-US" altLang="zh-CN" dirty="0"/>
+              <a:t>sizes</a:t>
+            </a:r>
+            <a:r>
+              <a:rPr lang="zh-CN" altLang="en-US" dirty="0"/>
+              <a:t> </a:t>
+            </a:r>
+            <a:r>
+              <a:rPr lang="en-US" altLang="zh-CN" dirty="0"/>
+              <a:t>or</a:t>
+            </a:r>
+            <a:r>
+              <a:rPr lang="zh-CN" altLang="en-US" dirty="0"/>
+              <a:t> </a:t>
+            </a:r>
+            <a:r>
+              <a:rPr lang="en-US" altLang="zh-CN" dirty="0"/>
+              <a:t>inter-arrival</a:t>
+            </a:r>
+            <a:r>
+              <a:rPr lang="zh-CN" altLang="en-US" dirty="0"/>
+              <a:t> </a:t>
+            </a:r>
+            <a:r>
+              <a:rPr lang="en-US" altLang="zh-CN" dirty="0"/>
+              <a:t>times</a:t>
+            </a:r>
+          </a:p>
+          <a:p>
+            <a:pPr lvl="1"/>
+            <a:r>
+              <a:rPr lang="en-US" altLang="zh-CN" dirty="0"/>
+              <a:t>Rhythmic</a:t>
+            </a:r>
+            <a:r>
+              <a:rPr lang="zh-CN" altLang="en-US" dirty="0"/>
+              <a:t> </a:t>
+            </a:r>
+            <a:r>
+              <a:rPr lang="en-US" altLang="zh-CN" dirty="0"/>
+              <a:t>patterns</a:t>
+            </a:r>
+            <a:r>
+              <a:rPr lang="zh-CN" altLang="en-US" dirty="0"/>
+              <a:t> </a:t>
+            </a:r>
+            <a:r>
+              <a:rPr lang="en-US" altLang="zh-CN" dirty="0"/>
+              <a:t>in</a:t>
+            </a:r>
+            <a:r>
+              <a:rPr lang="zh-CN" altLang="en-US" dirty="0"/>
+              <a:t> </a:t>
+            </a:r>
+            <a:r>
+              <a:rPr lang="en-US" altLang="zh-CN" dirty="0"/>
+              <a:t>the</a:t>
+            </a:r>
+            <a:r>
+              <a:rPr lang="zh-CN" altLang="en-US" dirty="0"/>
+              <a:t> </a:t>
+            </a:r>
+            <a:r>
+              <a:rPr lang="en-US" altLang="zh-CN" dirty="0"/>
+              <a:t>traffic.</a:t>
+            </a:r>
+          </a:p>
+        </p:txBody>
+      </p:sp>
+    </p:spTree>
+    <p:extLst>
+      <p:ext uri="{BB962C8B-B14F-4D97-AF65-F5344CB8AC3E}">
+        <p14:creationId xmlns:p14="http://schemas.microsoft.com/office/powerpoint/2010/main" val="2502889236"/>
+      </p:ext>
+    </p:extLst>
+  </p:cSld>
+  <p:clrMapOvr>
+    <a:masterClrMapping/>
+  </p:clrMapOvr>
+</p:sld>
+</file>
+
+<file path=ppt/slides/slide72.xml><?xml version="1.0" encoding="utf-8"?>
+<p:sld xmlns:a="http://schemas.openxmlformats.org/drawingml/2006/main" xmlns:r="http://schemas.openxmlformats.org/officeDocument/2006/relationships" xmlns:p="http://schemas.openxmlformats.org/presentationml/2006/main">
+  <p:cSld>
+    <p:spTree>
+      <p:nvGrpSpPr>
+        <p:cNvPr id="1" name=""/>
+        <p:cNvGrpSpPr/>
+        <p:nvPr/>
+      </p:nvGrpSpPr>
+      <p:grpSpPr>
+        <a:xfrm>
+          <a:off x="0" y="0"/>
+          <a:ext cx="0" cy="0"/>
+          <a:chOff x="0" y="0"/>
+          <a:chExt cx="0" cy="0"/>
+        </a:xfrm>
+      </p:grpSpPr>
+      <p:sp>
+        <p:nvSpPr>
+          <p:cNvPr id="2" name="Title 1">
+            <a:extLst>
+              <a:ext uri="{FF2B5EF4-FFF2-40B4-BE49-F238E27FC236}">
+                <a16:creationId xmlns:a16="http://schemas.microsoft.com/office/drawing/2014/main" id="{349D05A7-2637-EA77-688F-043E979FA37A}"/>
+              </a:ext>
+            </a:extLst>
+          </p:cNvPr>
+          <p:cNvSpPr>
+            <a:spLocks noGrp="1"/>
+          </p:cNvSpPr>
+          <p:nvPr>
+            <p:ph type="title"/>
+          </p:nvPr>
+        </p:nvSpPr>
+        <p:spPr/>
+        <p:txBody>
+          <a:bodyPr/>
+          <a:lstStyle/>
+          <a:p>
+            <a:r>
+              <a:rPr lang="en-US" altLang="zh-CN" dirty="0"/>
+              <a:t>Features</a:t>
+            </a:r>
+            <a:r>
+              <a:rPr lang="zh-CN" altLang="en-US" dirty="0"/>
+              <a:t> </a:t>
+            </a:r>
+            <a:endParaRPr lang="en-US" dirty="0"/>
+          </a:p>
+        </p:txBody>
+      </p:sp>
+      <p:sp>
+        <p:nvSpPr>
+          <p:cNvPr id="3" name="Content Placeholder 2">
+            <a:extLst>
+              <a:ext uri="{FF2B5EF4-FFF2-40B4-BE49-F238E27FC236}">
+                <a16:creationId xmlns:a16="http://schemas.microsoft.com/office/drawing/2014/main" id="{CB415B08-0CAC-180B-1844-B159879802AF}"/>
+              </a:ext>
+            </a:extLst>
+          </p:cNvPr>
+          <p:cNvSpPr>
+            <a:spLocks noGrp="1"/>
+          </p:cNvSpPr>
+          <p:nvPr>
+            <p:ph idx="1"/>
+          </p:nvPr>
+        </p:nvSpPr>
+        <p:spPr/>
+        <p:txBody>
+          <a:bodyPr/>
+          <a:lstStyle/>
+          <a:p>
+            <a:r>
+              <a:rPr lang="en-US" altLang="zh-CN" dirty="0"/>
+              <a:t>Time-Series</a:t>
+            </a:r>
+            <a:r>
+              <a:rPr lang="zh-CN" altLang="en-US" dirty="0"/>
+              <a:t> </a:t>
+            </a:r>
+            <a:r>
+              <a:rPr lang="en-US" altLang="zh-CN" dirty="0"/>
+              <a:t>Analysis</a:t>
+            </a:r>
+            <a:r>
+              <a:rPr lang="zh-CN" altLang="en-US" dirty="0"/>
+              <a:t> </a:t>
+            </a:r>
+            <a:r>
+              <a:rPr lang="en-US" altLang="zh-CN" dirty="0"/>
+              <a:t>Features:</a:t>
+            </a:r>
+          </a:p>
+          <a:p>
+            <a:pPr lvl="1"/>
+            <a:r>
+              <a:rPr lang="en-US" altLang="zh-CN" b="1" dirty="0"/>
+              <a:t>Autocorrelation</a:t>
+            </a:r>
+            <a:r>
+              <a:rPr lang="zh-CN" altLang="en-US" b="1" dirty="0"/>
+              <a:t> </a:t>
+            </a:r>
+            <a:r>
+              <a:rPr lang="en-US" altLang="zh-CN" b="1" dirty="0"/>
+              <a:t>,</a:t>
+            </a:r>
+            <a:r>
+              <a:rPr lang="zh-CN" altLang="en-US" b="1" dirty="0"/>
+              <a:t> </a:t>
+            </a:r>
+            <a:r>
+              <a:rPr lang="en-US" altLang="zh-CN" b="1" dirty="0"/>
+              <a:t>Zero</a:t>
+            </a:r>
+            <a:r>
+              <a:rPr lang="zh-CN" altLang="en-US" b="1" dirty="0"/>
+              <a:t> </a:t>
+            </a:r>
+            <a:r>
+              <a:rPr lang="en-US" altLang="zh-CN" b="1" dirty="0"/>
+              <a:t>Crossing</a:t>
+            </a:r>
+            <a:r>
+              <a:rPr lang="zh-CN" altLang="en-US" b="1" dirty="0"/>
+              <a:t> </a:t>
+            </a:r>
+            <a:r>
+              <a:rPr lang="en-US" altLang="zh-CN" b="1" dirty="0"/>
+              <a:t>Rate:</a:t>
+            </a:r>
+            <a:r>
+              <a:rPr lang="zh-CN" altLang="en-US" b="1" dirty="0"/>
+              <a:t> </a:t>
+            </a:r>
+            <a:endParaRPr lang="en-US" altLang="zh-CN" b="1" dirty="0"/>
+          </a:p>
+          <a:p>
+            <a:pPr lvl="1"/>
+            <a:r>
+              <a:rPr lang="en-US" altLang="zh-CN" dirty="0"/>
+              <a:t>Repetitive patterns or the frequency of sign changes in packet sizes or times,</a:t>
+            </a:r>
+          </a:p>
+          <a:p>
+            <a:r>
+              <a:rPr lang="en-US" altLang="zh-CN" dirty="0"/>
+              <a:t>Entropy</a:t>
+            </a:r>
+            <a:r>
+              <a:rPr lang="zh-CN" altLang="en-US" dirty="0"/>
+              <a:t> </a:t>
+            </a:r>
+            <a:r>
+              <a:rPr lang="en-US" altLang="zh-CN" dirty="0"/>
+              <a:t>and</a:t>
+            </a:r>
+            <a:r>
+              <a:rPr lang="zh-CN" altLang="en-US" dirty="0"/>
+              <a:t> </a:t>
+            </a:r>
+            <a:r>
+              <a:rPr lang="en-US" altLang="zh-CN" dirty="0"/>
+              <a:t>Energy</a:t>
+            </a:r>
+            <a:r>
+              <a:rPr lang="zh-CN" altLang="en-US" dirty="0"/>
+              <a:t> </a:t>
+            </a:r>
+            <a:r>
+              <a:rPr lang="en-US" altLang="zh-CN" dirty="0"/>
+              <a:t>Features:</a:t>
+            </a:r>
+          </a:p>
+          <a:p>
+            <a:pPr lvl="1"/>
+            <a:r>
+              <a:rPr lang="en-US" altLang="zh-CN" b="1" dirty="0"/>
+              <a:t>Entropy,</a:t>
+            </a:r>
+            <a:r>
+              <a:rPr lang="zh-CN" altLang="en-US" b="1" dirty="0"/>
+              <a:t> </a:t>
+            </a:r>
+            <a:r>
+              <a:rPr lang="en-US" altLang="zh-CN" b="1" dirty="0"/>
+              <a:t>Entropy</a:t>
+            </a:r>
+            <a:r>
+              <a:rPr lang="zh-CN" altLang="en-US" b="1" dirty="0"/>
+              <a:t> </a:t>
+            </a:r>
+            <a:r>
+              <a:rPr lang="en-US" altLang="zh-CN" b="1" dirty="0"/>
+              <a:t>of</a:t>
+            </a:r>
+            <a:r>
+              <a:rPr lang="zh-CN" altLang="en-US" b="1" dirty="0"/>
+              <a:t> </a:t>
+            </a:r>
+            <a:r>
+              <a:rPr lang="en-US" altLang="zh-CN" b="1" dirty="0"/>
+              <a:t>Energy:</a:t>
+            </a:r>
+          </a:p>
+          <a:p>
+            <a:pPr lvl="1"/>
+            <a:r>
+              <a:rPr lang="en-US" dirty="0"/>
+              <a:t>Measure the randomness or predictability in packet sizes and inter-arrival times</a:t>
+            </a:r>
+          </a:p>
+        </p:txBody>
+      </p:sp>
+    </p:spTree>
+    <p:extLst>
+      <p:ext uri="{BB962C8B-B14F-4D97-AF65-F5344CB8AC3E}">
+        <p14:creationId xmlns:p14="http://schemas.microsoft.com/office/powerpoint/2010/main" val="3707036524"/>
+      </p:ext>
+    </p:extLst>
+  </p:cSld>
+  <p:clrMapOvr>
+    <a:masterClrMapping/>
+  </p:clrMapOvr>
+</p:sld>
+</file>
+
+<file path=ppt/slides/slide73.xml><?xml version="1.0" encoding="utf-8"?>
+<p:sld xmlns:a="http://schemas.openxmlformats.org/drawingml/2006/main" xmlns:r="http://schemas.openxmlformats.org/officeDocument/2006/relationships" xmlns:p="http://schemas.openxmlformats.org/presentationml/2006/main">
+  <p:cSld>
+    <p:spTree>
+      <p:nvGrpSpPr>
+        <p:cNvPr id="1" name=""/>
+        <p:cNvGrpSpPr/>
+        <p:nvPr/>
+      </p:nvGrpSpPr>
+      <p:grpSpPr>
+        <a:xfrm>
+          <a:off x="0" y="0"/>
+          <a:ext cx="0" cy="0"/>
+          <a:chOff x="0" y="0"/>
+          <a:chExt cx="0" cy="0"/>
+        </a:xfrm>
+      </p:grpSpPr>
+      <p:sp>
+        <p:nvSpPr>
+          <p:cNvPr id="2" name="Title 1">
+            <a:extLst>
+              <a:ext uri="{FF2B5EF4-FFF2-40B4-BE49-F238E27FC236}">
+                <a16:creationId xmlns:a16="http://schemas.microsoft.com/office/drawing/2014/main" id="{46DF4FC2-4464-F3B1-5703-0DB455696FC7}"/>
+              </a:ext>
+            </a:extLst>
+          </p:cNvPr>
+          <p:cNvSpPr>
+            <a:spLocks noGrp="1"/>
+          </p:cNvSpPr>
+          <p:nvPr>
+            <p:ph type="title"/>
+          </p:nvPr>
+        </p:nvSpPr>
+        <p:spPr>
+          <a:xfrm>
+            <a:off x="743932" y="227290"/>
+            <a:ext cx="10515600" cy="907494"/>
+          </a:xfrm>
+        </p:spPr>
+        <p:txBody>
+          <a:bodyPr/>
+          <a:lstStyle/>
+          <a:p>
+            <a:r>
+              <a:rPr lang="en-US" altLang="zh-CN" dirty="0"/>
+              <a:t>Similarity</a:t>
+            </a:r>
+            <a:r>
+              <a:rPr lang="zh-CN" altLang="en-US" dirty="0"/>
+              <a:t> </a:t>
+            </a:r>
+            <a:endParaRPr lang="en-US" dirty="0"/>
+          </a:p>
+        </p:txBody>
+      </p:sp>
+      <p:sp>
+        <p:nvSpPr>
+          <p:cNvPr id="3" name="Content Placeholder 2">
+            <a:extLst>
+              <a:ext uri="{FF2B5EF4-FFF2-40B4-BE49-F238E27FC236}">
+                <a16:creationId xmlns:a16="http://schemas.microsoft.com/office/drawing/2014/main" id="{C0C80DE3-6C8B-334F-F6D5-E93BE231AB3E}"/>
+              </a:ext>
+            </a:extLst>
+          </p:cNvPr>
+          <p:cNvSpPr>
+            <a:spLocks noGrp="1"/>
+          </p:cNvSpPr>
+          <p:nvPr>
+            <p:ph idx="1"/>
+          </p:nvPr>
+        </p:nvSpPr>
+        <p:spPr>
+          <a:xfrm>
+            <a:off x="527901" y="1272619"/>
+            <a:ext cx="11151909" cy="4904344"/>
+          </a:xfrm>
+        </p:spPr>
+        <p:txBody>
+          <a:bodyPr/>
+          <a:lstStyle/>
+          <a:p>
+            <a:r>
+              <a:rPr lang="en-US" altLang="zh-CN" dirty="0"/>
+              <a:t>Questions:</a:t>
+            </a:r>
+            <a:r>
+              <a:rPr lang="zh-CN" altLang="en-US" dirty="0"/>
+              <a:t> </a:t>
+            </a:r>
+            <a:endParaRPr lang="en-US" altLang="zh-CN" dirty="0"/>
+          </a:p>
+          <a:p>
+            <a:pPr lvl="1"/>
+            <a:r>
+              <a:rPr lang="en-US" altLang="zh-CN" dirty="0"/>
+              <a:t>Will</a:t>
+            </a:r>
+            <a:r>
+              <a:rPr lang="zh-CN" altLang="en-US" dirty="0"/>
+              <a:t> </a:t>
+            </a:r>
+            <a:r>
+              <a:rPr lang="en-US" altLang="zh-CN" dirty="0"/>
+              <a:t>similarity</a:t>
+            </a:r>
+            <a:r>
+              <a:rPr lang="zh-CN" altLang="en-US" dirty="0"/>
+              <a:t> </a:t>
+            </a:r>
+            <a:r>
+              <a:rPr lang="en-US" altLang="zh-CN" dirty="0"/>
+              <a:t>of</a:t>
+            </a:r>
+            <a:r>
+              <a:rPr lang="zh-CN" altLang="en-US" dirty="0"/>
+              <a:t> </a:t>
+            </a:r>
+            <a:r>
+              <a:rPr lang="en-US" altLang="zh-CN" dirty="0"/>
+              <a:t>different</a:t>
+            </a:r>
+            <a:r>
+              <a:rPr lang="zh-CN" altLang="en-US" dirty="0"/>
+              <a:t> </a:t>
+            </a:r>
+            <a:r>
+              <a:rPr lang="en-US" altLang="zh-CN" dirty="0"/>
+              <a:t>voice</a:t>
+            </a:r>
+            <a:r>
+              <a:rPr lang="zh-CN" altLang="en-US" dirty="0"/>
+              <a:t> </a:t>
+            </a:r>
+            <a:r>
+              <a:rPr lang="en-US" altLang="zh-CN" dirty="0"/>
+              <a:t>commands</a:t>
+            </a:r>
+            <a:r>
+              <a:rPr lang="zh-CN" altLang="en-US" dirty="0"/>
+              <a:t> </a:t>
+            </a:r>
+            <a:r>
+              <a:rPr lang="en-US" altLang="zh-CN" dirty="0"/>
+              <a:t>affect</a:t>
+            </a:r>
+            <a:r>
+              <a:rPr lang="zh-CN" altLang="en-US" dirty="0"/>
+              <a:t> </a:t>
+            </a:r>
+            <a:r>
+              <a:rPr lang="en-US" altLang="zh-CN" dirty="0"/>
+              <a:t>the</a:t>
+            </a:r>
+            <a:r>
+              <a:rPr lang="zh-CN" altLang="en-US" dirty="0"/>
+              <a:t> </a:t>
+            </a:r>
+            <a:r>
+              <a:rPr lang="en-US" altLang="zh-CN" dirty="0"/>
+              <a:t>accuracy</a:t>
+            </a:r>
+            <a:r>
+              <a:rPr lang="zh-CN" altLang="en-US" dirty="0"/>
+              <a:t> </a:t>
+            </a:r>
+            <a:r>
+              <a:rPr lang="en-US" altLang="zh-CN" dirty="0"/>
+              <a:t>of</a:t>
+            </a:r>
+            <a:r>
+              <a:rPr lang="zh-CN" altLang="en-US" dirty="0"/>
+              <a:t> </a:t>
+            </a:r>
+            <a:r>
+              <a:rPr lang="en-US" altLang="zh-CN" dirty="0"/>
+              <a:t>traffic</a:t>
+            </a:r>
+            <a:r>
+              <a:rPr lang="zh-CN" altLang="en-US" dirty="0"/>
+              <a:t> </a:t>
+            </a:r>
+            <a:r>
+              <a:rPr lang="en-US" altLang="zh-CN" dirty="0"/>
+              <a:t>analysis?</a:t>
+            </a:r>
+          </a:p>
+          <a:p>
+            <a:pPr lvl="1"/>
+            <a:r>
+              <a:rPr lang="en-US" altLang="zh-CN" dirty="0"/>
+              <a:t>What</a:t>
+            </a:r>
+            <a:r>
+              <a:rPr lang="zh-CN" altLang="en-US" dirty="0"/>
+              <a:t> </a:t>
+            </a:r>
+            <a:r>
+              <a:rPr lang="en-US" altLang="zh-CN" dirty="0"/>
+              <a:t>is</a:t>
+            </a:r>
+            <a:r>
+              <a:rPr lang="zh-CN" altLang="en-US" dirty="0"/>
+              <a:t> </a:t>
+            </a:r>
+            <a:r>
+              <a:rPr lang="en-US" altLang="zh-CN" dirty="0"/>
+              <a:t>the</a:t>
+            </a:r>
+            <a:r>
+              <a:rPr lang="zh-CN" altLang="en-US" dirty="0"/>
+              <a:t> </a:t>
+            </a:r>
+            <a:r>
+              <a:rPr lang="en-US" altLang="zh-CN" dirty="0"/>
+              <a:t>concept</a:t>
+            </a:r>
+            <a:r>
+              <a:rPr lang="zh-CN" altLang="en-US" dirty="0"/>
+              <a:t> </a:t>
+            </a:r>
+            <a:r>
+              <a:rPr lang="en-US" altLang="zh-CN" dirty="0"/>
+              <a:t>of</a:t>
+            </a:r>
+            <a:r>
+              <a:rPr lang="zh-CN" altLang="en-US" dirty="0"/>
+              <a:t> </a:t>
+            </a:r>
+            <a:r>
+              <a:rPr lang="en-US" altLang="zh-CN" dirty="0"/>
+              <a:t>similarity?</a:t>
+            </a:r>
+            <a:r>
+              <a:rPr lang="zh-CN" altLang="en-US" dirty="0"/>
+              <a:t> </a:t>
+            </a:r>
+            <a:endParaRPr lang="en-US" altLang="zh-CN" dirty="0"/>
+          </a:p>
+          <a:p>
+            <a:pPr lvl="1"/>
+            <a:r>
+              <a:rPr lang="en-US" altLang="zh-CN" dirty="0"/>
+              <a:t>How</a:t>
+            </a:r>
+            <a:r>
+              <a:rPr lang="zh-CN" altLang="en-US" dirty="0"/>
+              <a:t> </a:t>
+            </a:r>
+            <a:r>
+              <a:rPr lang="en-US" altLang="zh-CN" dirty="0"/>
+              <a:t>to</a:t>
+            </a:r>
+            <a:r>
+              <a:rPr lang="zh-CN" altLang="en-US" dirty="0"/>
+              <a:t> </a:t>
+            </a:r>
+            <a:r>
+              <a:rPr lang="en-US" altLang="zh-CN" dirty="0"/>
+              <a:t>measure</a:t>
+            </a:r>
+            <a:r>
+              <a:rPr lang="zh-CN" altLang="en-US" dirty="0"/>
+              <a:t> </a:t>
+            </a:r>
+            <a:r>
+              <a:rPr lang="en-US" altLang="zh-CN" dirty="0"/>
+              <a:t>the</a:t>
+            </a:r>
+            <a:r>
+              <a:rPr lang="zh-CN" altLang="en-US" dirty="0"/>
+              <a:t> </a:t>
+            </a:r>
+            <a:r>
+              <a:rPr lang="en-US" altLang="zh-CN" dirty="0"/>
+              <a:t>similarity?</a:t>
+            </a:r>
+          </a:p>
+          <a:p>
+            <a:pPr lvl="1"/>
+            <a:endParaRPr lang="en-US" altLang="zh-CN" dirty="0"/>
+          </a:p>
+          <a:p>
+            <a:r>
+              <a:rPr lang="en-US" altLang="zh-CN" dirty="0"/>
+              <a:t>More</a:t>
+            </a:r>
+            <a:r>
+              <a:rPr lang="zh-CN" altLang="en-US" dirty="0"/>
+              <a:t> </a:t>
+            </a:r>
+            <a:r>
+              <a:rPr lang="en-US" altLang="zh-CN" dirty="0"/>
+              <a:t>details:</a:t>
+            </a:r>
+            <a:r>
+              <a:rPr lang="zh-CN" altLang="en-US" dirty="0"/>
+              <a:t> </a:t>
+            </a:r>
+            <a:endParaRPr lang="en-US" altLang="zh-CN" dirty="0"/>
+          </a:p>
+          <a:p>
+            <a:pPr lvl="1"/>
+            <a:r>
+              <a:rPr lang="en-US" altLang="zh-CN" dirty="0"/>
+              <a:t>The</a:t>
+            </a:r>
+            <a:r>
+              <a:rPr lang="zh-CN" altLang="en-US" dirty="0"/>
+              <a:t> </a:t>
+            </a:r>
+            <a:r>
+              <a:rPr lang="en-US" altLang="zh-CN" dirty="0"/>
+              <a:t>concept</a:t>
+            </a:r>
+            <a:r>
+              <a:rPr lang="zh-CN" altLang="en-US" dirty="0"/>
+              <a:t> </a:t>
+            </a:r>
+            <a:r>
+              <a:rPr lang="en-US" altLang="zh-CN" dirty="0"/>
+              <a:t>of</a:t>
+            </a:r>
+            <a:r>
+              <a:rPr lang="zh-CN" altLang="en-US" dirty="0"/>
+              <a:t> </a:t>
+            </a:r>
+            <a:r>
+              <a:rPr lang="en-US" altLang="zh-CN" dirty="0"/>
+              <a:t>similarity</a:t>
+            </a:r>
+            <a:r>
+              <a:rPr lang="zh-CN" altLang="en-US" dirty="0"/>
+              <a:t> </a:t>
+            </a:r>
+            <a:r>
+              <a:rPr lang="en-US" altLang="zh-CN" dirty="0"/>
+              <a:t>is</a:t>
+            </a:r>
+            <a:r>
+              <a:rPr lang="zh-CN" altLang="en-US" dirty="0"/>
+              <a:t> </a:t>
+            </a:r>
+            <a:r>
+              <a:rPr lang="en-US" altLang="zh-CN" dirty="0"/>
+              <a:t>from</a:t>
+            </a:r>
+            <a:r>
+              <a:rPr lang="zh-CN" altLang="en-US" dirty="0"/>
+              <a:t> </a:t>
+            </a:r>
+            <a:r>
+              <a:rPr lang="en-US" altLang="zh-CN" dirty="0"/>
+              <a:t>perspective</a:t>
+            </a:r>
+            <a:r>
+              <a:rPr lang="zh-CN" altLang="en-US" dirty="0"/>
+              <a:t> </a:t>
+            </a:r>
+            <a:r>
+              <a:rPr lang="en-US" altLang="zh-CN" dirty="0"/>
+              <a:t>of</a:t>
+            </a:r>
+            <a:r>
+              <a:rPr lang="zh-CN" altLang="en-US" dirty="0"/>
+              <a:t> </a:t>
+            </a:r>
+            <a:r>
+              <a:rPr lang="en-US" altLang="zh-CN" dirty="0"/>
+              <a:t>smart</a:t>
+            </a:r>
+            <a:r>
+              <a:rPr lang="zh-CN" altLang="en-US" dirty="0"/>
+              <a:t> </a:t>
+            </a:r>
+            <a:r>
+              <a:rPr lang="en-US" altLang="zh-CN" dirty="0"/>
+              <a:t>speaker.</a:t>
+            </a:r>
+            <a:r>
+              <a:rPr lang="zh-CN" altLang="en-US" dirty="0"/>
+              <a:t>  </a:t>
+            </a:r>
+            <a:r>
+              <a:rPr lang="en-US" altLang="zh-CN" dirty="0"/>
+              <a:t>From</a:t>
+            </a:r>
+            <a:r>
+              <a:rPr lang="zh-CN" altLang="en-US" dirty="0"/>
+              <a:t> </a:t>
+            </a:r>
+            <a:r>
+              <a:rPr lang="en-US" altLang="zh-CN" dirty="0"/>
+              <a:t>the</a:t>
+            </a:r>
+            <a:r>
+              <a:rPr lang="zh-CN" altLang="en-US" dirty="0"/>
+              <a:t> </a:t>
+            </a:r>
+            <a:r>
+              <a:rPr lang="en-US" altLang="zh-CN" dirty="0"/>
+              <a:t>view</a:t>
+            </a:r>
+            <a:r>
+              <a:rPr lang="zh-CN" altLang="en-US" dirty="0"/>
+              <a:t> </a:t>
+            </a:r>
+            <a:r>
+              <a:rPr lang="en-US" altLang="zh-CN" dirty="0"/>
+              <a:t>of</a:t>
+            </a:r>
+            <a:r>
+              <a:rPr lang="zh-CN" altLang="en-US" dirty="0"/>
+              <a:t> </a:t>
+            </a:r>
+            <a:r>
+              <a:rPr lang="en-US" altLang="zh-CN" dirty="0"/>
+              <a:t>Alexa</a:t>
+            </a:r>
+            <a:r>
+              <a:rPr lang="zh-CN" altLang="en-US" dirty="0"/>
+              <a:t> </a:t>
+            </a:r>
+            <a:r>
+              <a:rPr lang="en-US" altLang="zh-CN" dirty="0"/>
+              <a:t>Echo,</a:t>
+            </a:r>
+            <a:r>
+              <a:rPr lang="zh-CN" altLang="en-US" dirty="0"/>
+              <a:t> </a:t>
+            </a:r>
+            <a:r>
+              <a:rPr lang="en-US" altLang="zh-CN" dirty="0"/>
+              <a:t>the</a:t>
+            </a:r>
+            <a:r>
+              <a:rPr lang="zh-CN" altLang="en-US" dirty="0"/>
+              <a:t> </a:t>
+            </a:r>
+            <a:r>
+              <a:rPr lang="en-US" altLang="zh-CN" dirty="0"/>
+              <a:t>two</a:t>
+            </a:r>
+            <a:r>
+              <a:rPr lang="zh-CN" altLang="en-US" dirty="0"/>
+              <a:t> </a:t>
+            </a:r>
+            <a:r>
+              <a:rPr lang="en-US" altLang="zh-CN" dirty="0"/>
+              <a:t>voice</a:t>
+            </a:r>
+            <a:r>
+              <a:rPr lang="zh-CN" altLang="en-US" dirty="0"/>
+              <a:t> </a:t>
+            </a:r>
+            <a:r>
+              <a:rPr lang="en-US" altLang="zh-CN" dirty="0"/>
+              <a:t>commands</a:t>
+            </a:r>
+            <a:r>
+              <a:rPr lang="zh-CN" altLang="en-US" dirty="0"/>
+              <a:t> </a:t>
+            </a:r>
+            <a:r>
+              <a:rPr lang="en-US" altLang="zh-CN" dirty="0"/>
+              <a:t>look</a:t>
+            </a:r>
+            <a:r>
+              <a:rPr lang="zh-CN" altLang="en-US" dirty="0"/>
+              <a:t> </a:t>
+            </a:r>
+            <a:r>
+              <a:rPr lang="en-US" altLang="zh-CN" dirty="0"/>
+              <a:t>the</a:t>
+            </a:r>
+            <a:r>
+              <a:rPr lang="zh-CN" altLang="en-US" dirty="0"/>
+              <a:t> </a:t>
+            </a:r>
+            <a:r>
+              <a:rPr lang="en-US" altLang="zh-CN" dirty="0"/>
+              <a:t>same,</a:t>
+            </a:r>
+            <a:r>
+              <a:rPr lang="zh-CN" altLang="en-US" dirty="0"/>
+              <a:t> </a:t>
+            </a:r>
+            <a:r>
+              <a:rPr lang="en-US" altLang="zh-CN" dirty="0"/>
+              <a:t>their</a:t>
+            </a:r>
+            <a:r>
+              <a:rPr lang="zh-CN" altLang="en-US" dirty="0"/>
+              <a:t> </a:t>
+            </a:r>
+            <a:r>
+              <a:rPr lang="en-US" altLang="zh-CN" dirty="0"/>
+              <a:t>similarity</a:t>
+            </a:r>
+            <a:r>
+              <a:rPr lang="zh-CN" altLang="en-US" dirty="0"/>
+              <a:t> </a:t>
+            </a:r>
+            <a:r>
+              <a:rPr lang="en-US" altLang="zh-CN" dirty="0"/>
+              <a:t>are</a:t>
+            </a:r>
+            <a:r>
+              <a:rPr lang="zh-CN" altLang="en-US" dirty="0"/>
+              <a:t> </a:t>
+            </a:r>
+            <a:r>
+              <a:rPr lang="en-US" altLang="zh-CN" dirty="0"/>
+              <a:t>high,</a:t>
+            </a:r>
+            <a:r>
+              <a:rPr lang="zh-CN" altLang="en-US" dirty="0"/>
+              <a:t> </a:t>
+            </a:r>
+            <a:r>
+              <a:rPr lang="en-US" altLang="zh-CN" dirty="0"/>
+              <a:t>otherwise,</a:t>
+            </a:r>
+            <a:r>
+              <a:rPr lang="zh-CN" altLang="en-US" dirty="0"/>
+              <a:t> </a:t>
+            </a:r>
+            <a:r>
+              <a:rPr lang="en-US" altLang="zh-CN" dirty="0"/>
+              <a:t>low.</a:t>
+            </a:r>
+          </a:p>
+          <a:p>
+            <a:pPr lvl="1"/>
+            <a:r>
+              <a:rPr lang="en-US" altLang="zh-CN" dirty="0"/>
+              <a:t>Voice</a:t>
+            </a:r>
+            <a:r>
+              <a:rPr lang="zh-CN" altLang="en-US" dirty="0"/>
+              <a:t> </a:t>
+            </a:r>
+            <a:r>
+              <a:rPr lang="en-US" altLang="zh-CN" dirty="0"/>
+              <a:t>commands</a:t>
+            </a:r>
+            <a:r>
+              <a:rPr lang="zh-CN" altLang="en-US" dirty="0"/>
+              <a:t> </a:t>
+            </a:r>
+            <a:r>
+              <a:rPr lang="en-US" altLang="zh-CN" dirty="0"/>
+              <a:t>interact</a:t>
+            </a:r>
+            <a:r>
+              <a:rPr lang="zh-CN" altLang="en-US" dirty="0"/>
+              <a:t> </a:t>
+            </a:r>
+            <a:r>
+              <a:rPr lang="en-US" altLang="zh-CN" dirty="0"/>
+              <a:t>with</a:t>
+            </a:r>
+            <a:r>
+              <a:rPr lang="zh-CN" altLang="en-US" dirty="0"/>
+              <a:t> </a:t>
+            </a:r>
+            <a:r>
+              <a:rPr lang="en-US" altLang="zh-CN" dirty="0"/>
+              <a:t>smart</a:t>
+            </a:r>
+            <a:r>
+              <a:rPr lang="zh-CN" altLang="en-US" dirty="0"/>
+              <a:t> </a:t>
+            </a:r>
+            <a:r>
+              <a:rPr lang="en-US" altLang="zh-CN" dirty="0"/>
+              <a:t>speakers</a:t>
+            </a:r>
+            <a:r>
+              <a:rPr lang="zh-CN" altLang="en-US" dirty="0"/>
+              <a:t> </a:t>
+            </a:r>
+            <a:r>
+              <a:rPr lang="en-US" altLang="zh-CN" dirty="0"/>
+              <a:t>in</a:t>
+            </a:r>
+            <a:r>
+              <a:rPr lang="zh-CN" altLang="en-US" dirty="0"/>
+              <a:t> </a:t>
+            </a:r>
+            <a:r>
+              <a:rPr lang="en-US" altLang="zh-CN" dirty="0"/>
+              <a:t>audio</a:t>
+            </a:r>
+            <a:r>
+              <a:rPr lang="zh-CN" altLang="en-US" dirty="0"/>
+              <a:t> </a:t>
+            </a:r>
+            <a:r>
+              <a:rPr lang="en-US" altLang="zh-CN" dirty="0"/>
+              <a:t>format.</a:t>
+            </a:r>
+          </a:p>
+          <a:p>
+            <a:pPr lvl="1"/>
+            <a:r>
+              <a:rPr lang="en-US" altLang="zh-CN" dirty="0"/>
+              <a:t>So</a:t>
+            </a:r>
+            <a:r>
+              <a:rPr lang="zh-CN" altLang="en-US" dirty="0"/>
+              <a:t> </a:t>
+            </a:r>
+            <a:r>
+              <a:rPr lang="en-US" altLang="zh-CN" dirty="0"/>
+              <a:t>analyzing</a:t>
+            </a:r>
+            <a:r>
+              <a:rPr lang="zh-CN" altLang="en-US" dirty="0"/>
+              <a:t> </a:t>
+            </a:r>
+            <a:r>
+              <a:rPr lang="en-US" altLang="zh-CN" dirty="0"/>
+              <a:t>the</a:t>
+            </a:r>
+            <a:r>
+              <a:rPr lang="zh-CN" altLang="en-US" dirty="0"/>
+              <a:t> </a:t>
+            </a:r>
+            <a:r>
+              <a:rPr lang="en-US" altLang="zh-CN" dirty="0"/>
+              <a:t>audio</a:t>
+            </a:r>
+            <a:r>
+              <a:rPr lang="zh-CN" altLang="en-US" dirty="0"/>
+              <a:t> </a:t>
+            </a:r>
+            <a:r>
+              <a:rPr lang="en-US" altLang="zh-CN" dirty="0"/>
+              <a:t>files</a:t>
+            </a:r>
+            <a:r>
+              <a:rPr lang="zh-CN" altLang="en-US" dirty="0"/>
+              <a:t> </a:t>
+            </a:r>
+            <a:r>
+              <a:rPr lang="en-US" altLang="zh-CN" dirty="0"/>
+              <a:t>may</a:t>
+            </a:r>
+            <a:r>
+              <a:rPr lang="zh-CN" altLang="en-US" dirty="0"/>
+              <a:t> </a:t>
+            </a:r>
+            <a:r>
+              <a:rPr lang="en-US" altLang="zh-CN" dirty="0"/>
+              <a:t>be</a:t>
+            </a:r>
+            <a:r>
+              <a:rPr lang="zh-CN" altLang="en-US" dirty="0"/>
+              <a:t> </a:t>
+            </a:r>
+            <a:r>
+              <a:rPr lang="en-US" altLang="zh-CN" dirty="0"/>
+              <a:t>a</a:t>
+            </a:r>
+            <a:r>
+              <a:rPr lang="zh-CN" altLang="en-US" dirty="0"/>
+              <a:t> </a:t>
+            </a:r>
+            <a:r>
+              <a:rPr lang="en-US" altLang="zh-CN" dirty="0"/>
+              <a:t>good</a:t>
+            </a:r>
+            <a:r>
+              <a:rPr lang="zh-CN" altLang="en-US" dirty="0"/>
+              <a:t> </a:t>
+            </a:r>
+            <a:r>
+              <a:rPr lang="en-US" altLang="zh-CN" dirty="0"/>
+              <a:t>way</a:t>
+            </a:r>
+            <a:r>
+              <a:rPr lang="zh-CN" altLang="en-US" dirty="0"/>
+              <a:t> </a:t>
+            </a:r>
+            <a:r>
+              <a:rPr lang="en-US" altLang="zh-CN" dirty="0"/>
+              <a:t>to</a:t>
+            </a:r>
+            <a:r>
+              <a:rPr lang="zh-CN" altLang="en-US" dirty="0"/>
+              <a:t> </a:t>
+            </a:r>
+            <a:r>
+              <a:rPr lang="en-US" altLang="zh-CN" dirty="0"/>
+              <a:t>measure</a:t>
+            </a:r>
+            <a:r>
+              <a:rPr lang="zh-CN" altLang="en-US" dirty="0"/>
+              <a:t> </a:t>
+            </a:r>
+            <a:r>
+              <a:rPr lang="en-US" altLang="zh-CN" dirty="0"/>
+              <a:t>the</a:t>
+            </a:r>
+            <a:r>
+              <a:rPr lang="zh-CN" altLang="en-US" dirty="0"/>
+              <a:t> </a:t>
+            </a:r>
+            <a:r>
+              <a:rPr lang="en-US" altLang="zh-CN" dirty="0"/>
+              <a:t>similarity.</a:t>
+            </a:r>
+          </a:p>
+          <a:p>
+            <a:pPr lvl="1"/>
+            <a:endParaRPr lang="en-US" altLang="zh-CN" dirty="0"/>
+          </a:p>
+          <a:p>
+            <a:pPr lvl="1"/>
+            <a:endParaRPr lang="en-US" dirty="0"/>
+          </a:p>
+        </p:txBody>
+      </p:sp>
+    </p:spTree>
+    <p:extLst>
+      <p:ext uri="{BB962C8B-B14F-4D97-AF65-F5344CB8AC3E}">
+        <p14:creationId xmlns:p14="http://schemas.microsoft.com/office/powerpoint/2010/main" val="258856874"/>
+      </p:ext>
+    </p:extLst>
+  </p:cSld>
+  <p:clrMapOvr>
+    <a:masterClrMapping/>
+  </p:clrMapOvr>
+</p:sld>
+</file>
+
+<file path=ppt/slides/slide74.xml><?xml version="1.0" encoding="utf-8"?>
+<p:sld xmlns:a="http://schemas.openxmlformats.org/drawingml/2006/main" xmlns:r="http://schemas.openxmlformats.org/officeDocument/2006/relationships" xmlns:p="http://schemas.openxmlformats.org/presentationml/2006/main">
+  <p:cSld>
+    <p:spTree>
+      <p:nvGrpSpPr>
+        <p:cNvPr id="1" name=""/>
+        <p:cNvGrpSpPr/>
+        <p:nvPr/>
+      </p:nvGrpSpPr>
+      <p:grpSpPr>
+        <a:xfrm>
+          <a:off x="0" y="0"/>
+          <a:ext cx="0" cy="0"/>
+          <a:chOff x="0" y="0"/>
+          <a:chExt cx="0" cy="0"/>
+        </a:xfrm>
+      </p:grpSpPr>
+      <p:sp>
+        <p:nvSpPr>
+          <p:cNvPr id="2" name="Title 1">
+            <a:extLst>
+              <a:ext uri="{FF2B5EF4-FFF2-40B4-BE49-F238E27FC236}">
+                <a16:creationId xmlns:a16="http://schemas.microsoft.com/office/drawing/2014/main" id="{422B1921-F739-D6F4-276E-00111B15B435}"/>
+              </a:ext>
+            </a:extLst>
+          </p:cNvPr>
+          <p:cNvSpPr>
+            <a:spLocks noGrp="1"/>
+          </p:cNvSpPr>
+          <p:nvPr>
+            <p:ph type="title"/>
+          </p:nvPr>
+        </p:nvSpPr>
+        <p:spPr>
+          <a:xfrm>
+            <a:off x="838200" y="195443"/>
+            <a:ext cx="10515600" cy="1325563"/>
+          </a:xfrm>
+        </p:spPr>
+        <p:txBody>
+          <a:bodyPr/>
+          <a:lstStyle/>
+          <a:p>
+            <a:r>
+              <a:rPr lang="en-US" altLang="zh-CN" dirty="0"/>
+              <a:t>Similarity</a:t>
+            </a:r>
+            <a:r>
+              <a:rPr lang="zh-CN" altLang="en-US" dirty="0"/>
+              <a:t> </a:t>
+            </a:r>
+            <a:endParaRPr lang="en-US" dirty="0"/>
+          </a:p>
+        </p:txBody>
+      </p:sp>
+      <p:sp>
+        <p:nvSpPr>
+          <p:cNvPr id="3" name="Content Placeholder 2">
+            <a:extLst>
+              <a:ext uri="{FF2B5EF4-FFF2-40B4-BE49-F238E27FC236}">
+                <a16:creationId xmlns:a16="http://schemas.microsoft.com/office/drawing/2014/main" id="{A5B51455-AA3B-DF86-5407-429CBCAA16A3}"/>
+              </a:ext>
+            </a:extLst>
+          </p:cNvPr>
+          <p:cNvSpPr>
+            <a:spLocks noGrp="1"/>
+          </p:cNvSpPr>
+          <p:nvPr>
+            <p:ph idx="1"/>
+          </p:nvPr>
+        </p:nvSpPr>
+        <p:spPr>
+          <a:xfrm>
+            <a:off x="838200" y="1272620"/>
+            <a:ext cx="10515600" cy="4904344"/>
+          </a:xfrm>
+        </p:spPr>
+        <p:txBody>
+          <a:bodyPr>
+            <a:normAutofit/>
+          </a:bodyPr>
+          <a:lstStyle/>
+          <a:p>
+            <a:r>
+              <a:rPr lang="en-US" altLang="zh-CN" dirty="0"/>
+              <a:t>The relationship between voice commands and network traffic features is not direct.</a:t>
+            </a:r>
+          </a:p>
+          <a:p>
+            <a:r>
+              <a:rPr lang="en-US" altLang="zh-CN" dirty="0"/>
+              <a:t>Alexa</a:t>
+            </a:r>
+            <a:r>
+              <a:rPr lang="zh-CN" altLang="en-US" dirty="0"/>
+              <a:t> </a:t>
+            </a:r>
+            <a:r>
+              <a:rPr lang="en-US" altLang="zh-CN" dirty="0"/>
+              <a:t>API</a:t>
+            </a:r>
+            <a:r>
+              <a:rPr lang="zh-CN" altLang="en-US" dirty="0"/>
+              <a:t> </a:t>
+            </a:r>
+            <a:r>
+              <a:rPr lang="en-US" altLang="zh-CN" dirty="0"/>
+              <a:t>Interaction:</a:t>
+            </a:r>
+          </a:p>
+          <a:p>
+            <a:pPr lvl="1"/>
+            <a:r>
+              <a:rPr lang="en-US" altLang="zh-CN" dirty="0"/>
+              <a:t>Voice</a:t>
+            </a:r>
+            <a:r>
+              <a:rPr lang="zh-CN" altLang="en-US" dirty="0"/>
+              <a:t> </a:t>
+            </a:r>
+            <a:r>
+              <a:rPr lang="en-US" altLang="zh-CN" dirty="0"/>
+              <a:t>Command</a:t>
+            </a:r>
+            <a:r>
+              <a:rPr lang="zh-CN" altLang="en-US" dirty="0"/>
+              <a:t> </a:t>
+            </a:r>
+            <a:r>
+              <a:rPr lang="en-US" altLang="zh-CN" dirty="0"/>
+              <a:t>Capture</a:t>
+            </a:r>
+            <a:r>
+              <a:rPr lang="zh-CN" altLang="en-US" dirty="0"/>
+              <a:t> </a:t>
+            </a:r>
+            <a:r>
+              <a:rPr lang="en-US" altLang="zh-CN" dirty="0"/>
+              <a:t>and</a:t>
+            </a:r>
+            <a:r>
+              <a:rPr lang="zh-CN" altLang="en-US" dirty="0"/>
+              <a:t> </a:t>
+            </a:r>
+            <a:r>
+              <a:rPr lang="en-US" altLang="zh-CN" dirty="0"/>
+              <a:t>Transmission(stream</a:t>
+            </a:r>
+            <a:r>
+              <a:rPr lang="zh-CN" altLang="en-US" dirty="0"/>
+              <a:t> </a:t>
+            </a:r>
+            <a:r>
+              <a:rPr lang="en-US" altLang="zh-CN" dirty="0"/>
+              <a:t>to</a:t>
+            </a:r>
+            <a:r>
+              <a:rPr lang="zh-CN" altLang="en-US" dirty="0"/>
+              <a:t> </a:t>
+            </a:r>
+            <a:r>
+              <a:rPr lang="en-US" altLang="zh-CN" dirty="0"/>
+              <a:t>server)</a:t>
+            </a:r>
+            <a:r>
+              <a:rPr lang="zh-CN" altLang="en-US" dirty="0"/>
+              <a:t> </a:t>
+            </a:r>
+            <a:r>
+              <a:rPr lang="en-US" altLang="zh-CN" dirty="0">
+                <a:solidFill>
+                  <a:srgbClr val="FF0000"/>
+                </a:solidFill>
+              </a:rPr>
+              <a:t>Outgoing</a:t>
+            </a:r>
+          </a:p>
+          <a:p>
+            <a:pPr lvl="1"/>
+            <a:r>
+              <a:rPr lang="en-US" altLang="zh-CN" dirty="0"/>
+              <a:t>Processing</a:t>
+            </a:r>
+            <a:r>
+              <a:rPr lang="zh-CN" altLang="en-US" dirty="0"/>
+              <a:t> </a:t>
+            </a:r>
+            <a:r>
+              <a:rPr lang="en-US" altLang="zh-CN" dirty="0"/>
+              <a:t>Response:</a:t>
+            </a:r>
+            <a:r>
+              <a:rPr lang="zh-CN" altLang="en-US" dirty="0"/>
+              <a:t> </a:t>
+            </a:r>
+            <a:r>
+              <a:rPr lang="en-US" altLang="zh-CN" dirty="0">
+                <a:solidFill>
+                  <a:srgbClr val="FF0000"/>
+                </a:solidFill>
+              </a:rPr>
+              <a:t>No</a:t>
+            </a:r>
+            <a:r>
+              <a:rPr lang="zh-CN" altLang="en-US" dirty="0">
+                <a:solidFill>
+                  <a:srgbClr val="FF0000"/>
+                </a:solidFill>
+              </a:rPr>
+              <a:t> </a:t>
+            </a:r>
+            <a:r>
+              <a:rPr lang="en-US" altLang="zh-CN" dirty="0">
+                <a:solidFill>
+                  <a:srgbClr val="FF0000"/>
+                </a:solidFill>
+              </a:rPr>
+              <a:t>traffic</a:t>
+            </a:r>
+          </a:p>
+          <a:p>
+            <a:pPr lvl="2"/>
+            <a:r>
+              <a:rPr lang="en-US" altLang="zh-CN" dirty="0"/>
+              <a:t>Speech</a:t>
+            </a:r>
+            <a:r>
+              <a:rPr lang="zh-CN" altLang="en-US" dirty="0"/>
+              <a:t> </a:t>
+            </a:r>
+            <a:r>
+              <a:rPr lang="en-US" altLang="zh-CN" dirty="0"/>
+              <a:t>Recognition</a:t>
+            </a:r>
+            <a:r>
+              <a:rPr lang="zh-CN" altLang="en-US" dirty="0"/>
+              <a:t> </a:t>
+            </a:r>
+            <a:endParaRPr lang="en-US" altLang="zh-CN" dirty="0"/>
+          </a:p>
+          <a:p>
+            <a:pPr lvl="2"/>
+            <a:r>
+              <a:rPr lang="en-US" altLang="zh-CN" dirty="0"/>
+              <a:t>NLP</a:t>
+            </a:r>
+          </a:p>
+          <a:p>
+            <a:pPr lvl="1"/>
+            <a:r>
+              <a:rPr lang="en-US" altLang="zh-CN" dirty="0"/>
+              <a:t>Sending</a:t>
+            </a:r>
+            <a:r>
+              <a:rPr lang="zh-CN" altLang="en-US" dirty="0"/>
+              <a:t> </a:t>
+            </a:r>
+            <a:r>
+              <a:rPr lang="en-US" altLang="zh-CN" dirty="0"/>
+              <a:t>Command</a:t>
+            </a:r>
+            <a:r>
+              <a:rPr lang="zh-CN" altLang="en-US" dirty="0"/>
+              <a:t> </a:t>
+            </a:r>
+            <a:r>
+              <a:rPr lang="en-US" altLang="zh-CN" dirty="0"/>
+              <a:t>Response:</a:t>
+            </a:r>
+            <a:r>
+              <a:rPr lang="zh-CN" altLang="en-US" dirty="0"/>
+              <a:t> </a:t>
+            </a:r>
+            <a:r>
+              <a:rPr lang="en-US" altLang="zh-CN" dirty="0">
+                <a:solidFill>
+                  <a:srgbClr val="FF0000"/>
+                </a:solidFill>
+              </a:rPr>
+              <a:t>Incoming</a:t>
+            </a:r>
+          </a:p>
+          <a:p>
+            <a:r>
+              <a:rPr lang="en-US" altLang="zh-CN" dirty="0"/>
+              <a:t>Assumption:</a:t>
+            </a:r>
+            <a:r>
+              <a:rPr lang="zh-CN" altLang="en-US" dirty="0"/>
+              <a:t> </a:t>
+            </a:r>
+            <a:endParaRPr lang="en-US" altLang="zh-CN" dirty="0"/>
+          </a:p>
+          <a:p>
+            <a:pPr lvl="1"/>
+            <a:r>
+              <a:rPr lang="en-US" altLang="zh-CN" dirty="0"/>
+              <a:t>Outgoing</a:t>
+            </a:r>
+            <a:r>
+              <a:rPr lang="zh-CN" altLang="en-US" dirty="0"/>
+              <a:t> </a:t>
+            </a:r>
+            <a:r>
+              <a:rPr lang="en-US" altLang="zh-CN" dirty="0"/>
+              <a:t>traffic</a:t>
+            </a:r>
+            <a:r>
+              <a:rPr lang="zh-CN" altLang="en-US" dirty="0"/>
+              <a:t> </a:t>
+            </a:r>
+            <a:r>
+              <a:rPr lang="en-US" altLang="zh-CN" dirty="0"/>
+              <a:t>is</a:t>
+            </a:r>
+            <a:r>
+              <a:rPr lang="zh-CN" altLang="en-US" dirty="0"/>
+              <a:t> </a:t>
+            </a:r>
+            <a:r>
+              <a:rPr lang="en-US" altLang="zh-CN" dirty="0"/>
+              <a:t>only</a:t>
+            </a:r>
+            <a:r>
+              <a:rPr lang="zh-CN" altLang="en-US" dirty="0"/>
+              <a:t> </a:t>
+            </a:r>
+            <a:r>
+              <a:rPr lang="en-US" altLang="zh-CN" dirty="0"/>
+              <a:t>affected</a:t>
+            </a:r>
+            <a:r>
+              <a:rPr lang="zh-CN" altLang="en-US" dirty="0"/>
+              <a:t> </a:t>
+            </a:r>
+            <a:r>
+              <a:rPr lang="en-US" altLang="zh-CN" dirty="0"/>
+              <a:t>by</a:t>
+            </a:r>
+            <a:r>
+              <a:rPr lang="zh-CN" altLang="en-US" dirty="0"/>
+              <a:t> </a:t>
+            </a:r>
+            <a:r>
+              <a:rPr lang="en-US" altLang="zh-CN" dirty="0"/>
+              <a:t>audio</a:t>
+            </a:r>
+            <a:r>
+              <a:rPr lang="zh-CN" altLang="en-US" dirty="0"/>
+              <a:t> </a:t>
+            </a:r>
+            <a:r>
+              <a:rPr lang="en-US" altLang="zh-CN" dirty="0"/>
+              <a:t>files</a:t>
+            </a:r>
+            <a:r>
+              <a:rPr lang="zh-CN" altLang="en-US" dirty="0"/>
+              <a:t> </a:t>
+            </a:r>
+            <a:r>
+              <a:rPr lang="en-US" altLang="zh-CN" dirty="0"/>
+              <a:t>(voice</a:t>
+            </a:r>
+            <a:r>
+              <a:rPr lang="zh-CN" altLang="en-US" dirty="0"/>
+              <a:t> </a:t>
+            </a:r>
+            <a:r>
+              <a:rPr lang="en-US" altLang="zh-CN" dirty="0"/>
+              <a:t>commands)</a:t>
+            </a:r>
+            <a:r>
+              <a:rPr lang="zh-CN" altLang="en-US" dirty="0"/>
+              <a:t> </a:t>
+            </a:r>
+            <a:r>
+              <a:rPr lang="en-US" altLang="zh-CN" dirty="0"/>
+              <a:t>transmission.</a:t>
+            </a:r>
+          </a:p>
+          <a:p>
+            <a:pPr lvl="1"/>
+            <a:r>
+              <a:rPr lang="en-US" altLang="zh-CN" dirty="0"/>
+              <a:t>Incoming</a:t>
+            </a:r>
+            <a:r>
+              <a:rPr lang="zh-CN" altLang="en-US" dirty="0"/>
+              <a:t> </a:t>
+            </a:r>
+            <a:r>
+              <a:rPr lang="en-US" altLang="zh-CN" dirty="0"/>
+              <a:t>traffic</a:t>
+            </a:r>
+            <a:r>
+              <a:rPr lang="zh-CN" altLang="en-US" dirty="0"/>
+              <a:t> </a:t>
+            </a:r>
+            <a:r>
+              <a:rPr lang="en-US" altLang="zh-CN" dirty="0"/>
+              <a:t>is</a:t>
+            </a:r>
+            <a:r>
+              <a:rPr lang="zh-CN" altLang="en-US" dirty="0"/>
+              <a:t> </a:t>
+            </a:r>
+            <a:r>
+              <a:rPr lang="en-US" altLang="zh-CN" dirty="0"/>
+              <a:t>only</a:t>
+            </a:r>
+            <a:r>
+              <a:rPr lang="zh-CN" altLang="en-US" dirty="0"/>
+              <a:t> </a:t>
+            </a:r>
+            <a:r>
+              <a:rPr lang="en-US" altLang="zh-CN" dirty="0"/>
+              <a:t>affected</a:t>
+            </a:r>
+            <a:r>
+              <a:rPr lang="zh-CN" altLang="en-US" dirty="0"/>
+              <a:t> </a:t>
+            </a:r>
+            <a:r>
+              <a:rPr lang="en-US" altLang="zh-CN" dirty="0"/>
+              <a:t>by</a:t>
+            </a:r>
+            <a:r>
+              <a:rPr lang="zh-CN" altLang="en-US" dirty="0"/>
+              <a:t> </a:t>
+            </a:r>
+            <a:r>
+              <a:rPr lang="en-US" altLang="zh-CN" dirty="0"/>
+              <a:t>responses</a:t>
+            </a:r>
+            <a:r>
+              <a:rPr lang="zh-CN" altLang="en-US" dirty="0"/>
+              <a:t> </a:t>
+            </a:r>
+            <a:r>
+              <a:rPr lang="en-US" altLang="zh-CN" dirty="0"/>
+              <a:t>sending</a:t>
+            </a:r>
+            <a:r>
+              <a:rPr lang="zh-CN" altLang="en-US" dirty="0"/>
+              <a:t> </a:t>
+            </a:r>
+            <a:r>
+              <a:rPr lang="en-US" altLang="zh-CN" dirty="0"/>
+              <a:t>after</a:t>
+            </a:r>
+            <a:r>
+              <a:rPr lang="zh-CN" altLang="en-US" dirty="0"/>
+              <a:t> </a:t>
+            </a:r>
+            <a:r>
+              <a:rPr lang="en-US" altLang="zh-CN" dirty="0"/>
+              <a:t>server</a:t>
+            </a:r>
+            <a:r>
+              <a:rPr lang="zh-CN" altLang="en-US" dirty="0"/>
+              <a:t> </a:t>
+            </a:r>
+            <a:r>
+              <a:rPr lang="en-US" altLang="zh-CN" dirty="0"/>
+              <a:t>processing.</a:t>
+            </a:r>
+            <a:r>
+              <a:rPr lang="zh-CN" altLang="en-US" dirty="0"/>
+              <a:t> </a:t>
+            </a:r>
+            <a:endParaRPr lang="en-US" altLang="zh-CN" dirty="0"/>
+          </a:p>
+          <a:p>
+            <a:endParaRPr lang="en-US" altLang="zh-CN" dirty="0"/>
+          </a:p>
+          <a:p>
+            <a:pPr lvl="2"/>
+            <a:endParaRPr lang="en-US" altLang="zh-CN" dirty="0"/>
+          </a:p>
+          <a:p>
+            <a:endParaRPr lang="en-US" dirty="0"/>
+          </a:p>
+        </p:txBody>
+      </p:sp>
+    </p:spTree>
+    <p:extLst>
+      <p:ext uri="{BB962C8B-B14F-4D97-AF65-F5344CB8AC3E}">
+        <p14:creationId xmlns:p14="http://schemas.microsoft.com/office/powerpoint/2010/main" val="3650287218"/>
+      </p:ext>
+    </p:extLst>
+  </p:cSld>
+  <p:clrMapOvr>
+    <a:masterClrMapping/>
+  </p:clrMapOvr>
+</p:sld>
+</file>
+
+<file path=ppt/slides/slide75.xml><?xml version="1.0" encoding="utf-8"?>
+<p:sld xmlns:a="http://schemas.openxmlformats.org/drawingml/2006/main" xmlns:r="http://schemas.openxmlformats.org/officeDocument/2006/relationships" xmlns:p="http://schemas.openxmlformats.org/presentationml/2006/main">
+  <p:cSld>
+    <p:spTree>
+      <p:nvGrpSpPr>
+        <p:cNvPr id="1" name=""/>
+        <p:cNvGrpSpPr/>
+        <p:nvPr/>
+      </p:nvGrpSpPr>
+      <p:grpSpPr>
+        <a:xfrm>
+          <a:off x="0" y="0"/>
+          <a:ext cx="0" cy="0"/>
+          <a:chOff x="0" y="0"/>
+          <a:chExt cx="0" cy="0"/>
+        </a:xfrm>
+      </p:grpSpPr>
+      <p:sp>
+        <p:nvSpPr>
+          <p:cNvPr id="2" name="Title 1">
+            <a:extLst>
+              <a:ext uri="{FF2B5EF4-FFF2-40B4-BE49-F238E27FC236}">
+                <a16:creationId xmlns:a16="http://schemas.microsoft.com/office/drawing/2014/main" id="{77E34121-BDD8-2064-D08E-796F000AACB5}"/>
+              </a:ext>
+            </a:extLst>
+          </p:cNvPr>
+          <p:cNvSpPr>
+            <a:spLocks noGrp="1"/>
+          </p:cNvSpPr>
+          <p:nvPr>
+            <p:ph type="title"/>
+          </p:nvPr>
+        </p:nvSpPr>
+        <p:spPr>
+          <a:xfrm>
+            <a:off x="838200" y="126165"/>
+            <a:ext cx="10515600" cy="1325563"/>
+          </a:xfrm>
+        </p:spPr>
+        <p:txBody>
+          <a:bodyPr/>
+          <a:lstStyle/>
+          <a:p>
+            <a:r>
+              <a:rPr lang="en-US" altLang="zh-CN" dirty="0"/>
+              <a:t>Similarity</a:t>
+            </a:r>
+            <a:r>
+              <a:rPr lang="zh-CN" altLang="en-US" dirty="0"/>
+              <a:t> </a:t>
+            </a:r>
+            <a:r>
+              <a:rPr lang="en-US" altLang="zh-CN" dirty="0"/>
+              <a:t>Experiments</a:t>
+            </a:r>
+            <a:endParaRPr lang="en-US" dirty="0"/>
+          </a:p>
+        </p:txBody>
+      </p:sp>
+      <p:sp>
+        <p:nvSpPr>
+          <p:cNvPr id="3" name="Content Placeholder 2">
+            <a:extLst>
+              <a:ext uri="{FF2B5EF4-FFF2-40B4-BE49-F238E27FC236}">
+                <a16:creationId xmlns:a16="http://schemas.microsoft.com/office/drawing/2014/main" id="{483C6AED-5A17-011D-3128-F66CD7175B81}"/>
+              </a:ext>
+            </a:extLst>
+          </p:cNvPr>
+          <p:cNvSpPr>
+            <a:spLocks noGrp="1"/>
+          </p:cNvSpPr>
+          <p:nvPr>
+            <p:ph idx="1"/>
+          </p:nvPr>
+        </p:nvSpPr>
+        <p:spPr>
+          <a:xfrm>
+            <a:off x="838200" y="1451728"/>
+            <a:ext cx="10515600" cy="4725235"/>
+          </a:xfrm>
+        </p:spPr>
+        <p:txBody>
+          <a:bodyPr/>
+          <a:lstStyle/>
+          <a:p>
+            <a:r>
+              <a:rPr lang="en-US" altLang="zh-CN" dirty="0"/>
+              <a:t>Only</a:t>
+            </a:r>
+            <a:r>
+              <a:rPr lang="zh-CN" altLang="en-US" dirty="0"/>
+              <a:t> </a:t>
+            </a:r>
+            <a:r>
+              <a:rPr lang="en-US" altLang="zh-CN" dirty="0"/>
+              <a:t>use</a:t>
+            </a:r>
+            <a:r>
+              <a:rPr lang="zh-CN" altLang="en-US" dirty="0"/>
+              <a:t> </a:t>
+            </a:r>
+            <a:r>
+              <a:rPr lang="en-US" altLang="zh-CN" dirty="0"/>
+              <a:t>outgoing</a:t>
+            </a:r>
+            <a:r>
+              <a:rPr lang="zh-CN" altLang="en-US" dirty="0"/>
+              <a:t> </a:t>
+            </a:r>
+            <a:r>
+              <a:rPr lang="en-US" altLang="zh-CN" dirty="0"/>
+              <a:t>traffic</a:t>
+            </a:r>
+            <a:r>
+              <a:rPr lang="zh-CN" altLang="en-US" dirty="0"/>
+              <a:t> </a:t>
+            </a:r>
+            <a:r>
+              <a:rPr lang="en-US" altLang="zh-CN" dirty="0"/>
+              <a:t>to</a:t>
+            </a:r>
+            <a:r>
+              <a:rPr lang="zh-CN" altLang="en-US" dirty="0"/>
+              <a:t> </a:t>
+            </a:r>
+            <a:r>
+              <a:rPr lang="en-US" altLang="zh-CN" dirty="0"/>
+              <a:t>do</a:t>
+            </a:r>
+            <a:r>
+              <a:rPr lang="zh-CN" altLang="en-US" dirty="0"/>
+              <a:t> </a:t>
+            </a:r>
+            <a:r>
+              <a:rPr lang="en-US" altLang="zh-CN" dirty="0"/>
+              <a:t>classification.</a:t>
+            </a:r>
+            <a:r>
+              <a:rPr lang="zh-CN" altLang="en-US" dirty="0"/>
+              <a:t> </a:t>
+            </a:r>
+            <a:endParaRPr lang="en-US" altLang="zh-CN" dirty="0"/>
+          </a:p>
+          <a:p>
+            <a:pPr lvl="1"/>
+            <a:r>
+              <a:rPr lang="en-US" altLang="zh-CN" dirty="0"/>
+              <a:t>Two</a:t>
+            </a:r>
+            <a:r>
+              <a:rPr lang="zh-CN" altLang="en-US" dirty="0"/>
+              <a:t> </a:t>
+            </a:r>
+            <a:r>
+              <a:rPr lang="en-US" altLang="zh-CN" dirty="0"/>
+              <a:t>voice</a:t>
+            </a:r>
+            <a:r>
+              <a:rPr lang="zh-CN" altLang="en-US" dirty="0"/>
+              <a:t> </a:t>
+            </a:r>
+            <a:r>
+              <a:rPr lang="en-US" altLang="zh-CN" dirty="0"/>
+              <a:t>command</a:t>
+            </a:r>
+            <a:r>
+              <a:rPr lang="zh-CN" altLang="en-US" dirty="0"/>
+              <a:t> </a:t>
+            </a:r>
+            <a:r>
+              <a:rPr lang="en-US" altLang="zh-CN" dirty="0"/>
+              <a:t>with</a:t>
+            </a:r>
+            <a:r>
+              <a:rPr lang="zh-CN" altLang="en-US" dirty="0"/>
+              <a:t> </a:t>
+            </a:r>
+            <a:r>
+              <a:rPr lang="en-US" altLang="zh-CN" dirty="0"/>
+              <a:t>high/low</a:t>
+            </a:r>
+            <a:r>
+              <a:rPr lang="zh-CN" altLang="en-US" dirty="0"/>
+              <a:t> </a:t>
+            </a:r>
+            <a:r>
+              <a:rPr lang="en-US" altLang="zh-CN"/>
+              <a:t>similarities.</a:t>
+            </a:r>
+          </a:p>
+          <a:p>
+            <a:pPr lvl="1"/>
+            <a:endParaRPr lang="en-US" dirty="0"/>
+          </a:p>
+        </p:txBody>
+      </p:sp>
+    </p:spTree>
+    <p:extLst>
+      <p:ext uri="{BB962C8B-B14F-4D97-AF65-F5344CB8AC3E}">
+        <p14:creationId xmlns:p14="http://schemas.microsoft.com/office/powerpoint/2010/main" val="3749831417"/>
       </p:ext>
     </p:extLst>
   </p:cSld>

--- a/note/Presentation1.pptx
+++ b/note/Presentation1.pptx
@@ -5,7 +5,7 @@
     <p:sldMasterId id="2147483648" r:id="rId1"/>
   </p:sldMasterIdLst>
   <p:notesMasterIdLst>
-    <p:notesMasterId r:id="rId77"/>
+    <p:notesMasterId r:id="rId81"/>
   </p:notesMasterIdLst>
   <p:sldIdLst>
     <p:sldId id="256" r:id="rId2"/>
@@ -83,6 +83,10 @@
     <p:sldId id="340" r:id="rId74"/>
     <p:sldId id="338" r:id="rId75"/>
     <p:sldId id="341" r:id="rId76"/>
+    <p:sldId id="342" r:id="rId77"/>
+    <p:sldId id="344" r:id="rId78"/>
+    <p:sldId id="343" r:id="rId79"/>
+    <p:sldId id="345" r:id="rId80"/>
   </p:sldIdLst>
   <p:sldSz cx="12192000" cy="6858000"/>
   <p:notesSz cx="6858000" cy="9144000"/>
@@ -271,7 +275,7 @@
           <a:p>
             <a:fld id="{72646578-14F6-4B4C-9607-C52529FEB0BF}" type="datetimeFigureOut">
               <a:rPr lang="en-US" smtClean="0"/>
-              <a:t>3/25/24</a:t>
+              <a:t>3/26/2024</a:t>
             </a:fld>
             <a:endParaRPr lang="en-US"/>
           </a:p>
@@ -1888,7 +1892,7 @@
           <a:p>
             <a:fld id="{78CD1D6E-A027-634F-BC83-5ADA8E496EAB}" type="datetimeFigureOut">
               <a:rPr lang="en-US" smtClean="0"/>
-              <a:t>3/25/24</a:t>
+              <a:t>3/26/2024</a:t>
             </a:fld>
             <a:endParaRPr lang="en-US"/>
           </a:p>
@@ -2086,7 +2090,7 @@
           <a:p>
             <a:fld id="{78CD1D6E-A027-634F-BC83-5ADA8E496EAB}" type="datetimeFigureOut">
               <a:rPr lang="en-US" smtClean="0"/>
-              <a:t>3/25/24</a:t>
+              <a:t>3/26/2024</a:t>
             </a:fld>
             <a:endParaRPr lang="en-US"/>
           </a:p>
@@ -2294,7 +2298,7 @@
           <a:p>
             <a:fld id="{78CD1D6E-A027-634F-BC83-5ADA8E496EAB}" type="datetimeFigureOut">
               <a:rPr lang="en-US" smtClean="0"/>
-              <a:t>3/25/24</a:t>
+              <a:t>3/26/2024</a:t>
             </a:fld>
             <a:endParaRPr lang="en-US"/>
           </a:p>
@@ -2492,7 +2496,7 @@
           <a:p>
             <a:fld id="{78CD1D6E-A027-634F-BC83-5ADA8E496EAB}" type="datetimeFigureOut">
               <a:rPr lang="en-US" smtClean="0"/>
-              <a:t>3/25/24</a:t>
+              <a:t>3/26/2024</a:t>
             </a:fld>
             <a:endParaRPr lang="en-US"/>
           </a:p>
@@ -2767,7 +2771,7 @@
           <a:p>
             <a:fld id="{78CD1D6E-A027-634F-BC83-5ADA8E496EAB}" type="datetimeFigureOut">
               <a:rPr lang="en-US" smtClean="0"/>
-              <a:t>3/25/24</a:t>
+              <a:t>3/26/2024</a:t>
             </a:fld>
             <a:endParaRPr lang="en-US"/>
           </a:p>
@@ -3032,7 +3036,7 @@
           <a:p>
             <a:fld id="{78CD1D6E-A027-634F-BC83-5ADA8E496EAB}" type="datetimeFigureOut">
               <a:rPr lang="en-US" smtClean="0"/>
-              <a:t>3/25/24</a:t>
+              <a:t>3/26/2024</a:t>
             </a:fld>
             <a:endParaRPr lang="en-US"/>
           </a:p>
@@ -3444,7 +3448,7 @@
           <a:p>
             <a:fld id="{78CD1D6E-A027-634F-BC83-5ADA8E496EAB}" type="datetimeFigureOut">
               <a:rPr lang="en-US" smtClean="0"/>
-              <a:t>3/25/24</a:t>
+              <a:t>3/26/2024</a:t>
             </a:fld>
             <a:endParaRPr lang="en-US"/>
           </a:p>
@@ -3585,7 +3589,7 @@
           <a:p>
             <a:fld id="{78CD1D6E-A027-634F-BC83-5ADA8E496EAB}" type="datetimeFigureOut">
               <a:rPr lang="en-US" smtClean="0"/>
-              <a:t>3/25/24</a:t>
+              <a:t>3/26/2024</a:t>
             </a:fld>
             <a:endParaRPr lang="en-US"/>
           </a:p>
@@ -3698,7 +3702,7 @@
           <a:p>
             <a:fld id="{78CD1D6E-A027-634F-BC83-5ADA8E496EAB}" type="datetimeFigureOut">
               <a:rPr lang="en-US" smtClean="0"/>
-              <a:t>3/25/24</a:t>
+              <a:t>3/26/2024</a:t>
             </a:fld>
             <a:endParaRPr lang="en-US"/>
           </a:p>
@@ -4009,7 +4013,7 @@
           <a:p>
             <a:fld id="{78CD1D6E-A027-634F-BC83-5ADA8E496EAB}" type="datetimeFigureOut">
               <a:rPr lang="en-US" smtClean="0"/>
-              <a:t>3/25/24</a:t>
+              <a:t>3/26/2024</a:t>
             </a:fld>
             <a:endParaRPr lang="en-US"/>
           </a:p>
@@ -4297,7 +4301,7 @@
           <a:p>
             <a:fld id="{78CD1D6E-A027-634F-BC83-5ADA8E496EAB}" type="datetimeFigureOut">
               <a:rPr lang="en-US" smtClean="0"/>
-              <a:t>3/25/24</a:t>
+              <a:t>3/26/2024</a:t>
             </a:fld>
             <a:endParaRPr lang="en-US"/>
           </a:p>
@@ -4538,7 +4542,7 @@
           <a:p>
             <a:fld id="{78CD1D6E-A027-634F-BC83-5ADA8E496EAB}" type="datetimeFigureOut">
               <a:rPr lang="en-US" smtClean="0"/>
-              <a:t>3/25/24</a:t>
+              <a:t>3/26/2024</a:t>
             </a:fld>
             <a:endParaRPr lang="en-US"/>
           </a:p>
@@ -19532,6 +19536,506 @@
     <p:extLst>
       <p:ext uri="{BB962C8B-B14F-4D97-AF65-F5344CB8AC3E}">
         <p14:creationId xmlns:p14="http://schemas.microsoft.com/office/powerpoint/2010/main" val="3749831417"/>
+      </p:ext>
+    </p:extLst>
+  </p:cSld>
+  <p:clrMapOvr>
+    <a:masterClrMapping/>
+  </p:clrMapOvr>
+</p:sld>
+</file>
+
+<file path=ppt/slides/slide76.xml><?xml version="1.0" encoding="utf-8"?>
+<p:sld xmlns:a="http://schemas.openxmlformats.org/drawingml/2006/main" xmlns:r="http://schemas.openxmlformats.org/officeDocument/2006/relationships" xmlns:p="http://schemas.openxmlformats.org/presentationml/2006/main">
+  <p:cSld>
+    <p:spTree>
+      <p:nvGrpSpPr>
+        <p:cNvPr id="1" name=""/>
+        <p:cNvGrpSpPr/>
+        <p:nvPr/>
+      </p:nvGrpSpPr>
+      <p:grpSpPr>
+        <a:xfrm>
+          <a:off x="0" y="0"/>
+          <a:ext cx="0" cy="0"/>
+          <a:chOff x="0" y="0"/>
+          <a:chExt cx="0" cy="0"/>
+        </a:xfrm>
+      </p:grpSpPr>
+      <p:sp>
+        <p:nvSpPr>
+          <p:cNvPr id="2" name="Title 1">
+            <a:extLst>
+              <a:ext uri="{FF2B5EF4-FFF2-40B4-BE49-F238E27FC236}">
+                <a16:creationId xmlns:a16="http://schemas.microsoft.com/office/drawing/2014/main" id="{7ACBE35B-DD4E-EA4B-55E3-440E9E1B70FE}"/>
+              </a:ext>
+            </a:extLst>
+          </p:cNvPr>
+          <p:cNvSpPr>
+            <a:spLocks noGrp="1"/>
+          </p:cNvSpPr>
+          <p:nvPr>
+            <p:ph type="title"/>
+          </p:nvPr>
+        </p:nvSpPr>
+        <p:spPr/>
+        <p:txBody>
+          <a:bodyPr/>
+          <a:lstStyle/>
+          <a:p>
+            <a:r>
+              <a:rPr lang="en-US" altLang="zh-CN" dirty="0"/>
+              <a:t>Voice Commands Categorization</a:t>
+            </a:r>
+            <a:endParaRPr lang="en-US" dirty="0"/>
+          </a:p>
+        </p:txBody>
+      </p:sp>
+      <p:sp>
+        <p:nvSpPr>
+          <p:cNvPr id="3" name="Content Placeholder 2">
+            <a:extLst>
+              <a:ext uri="{FF2B5EF4-FFF2-40B4-BE49-F238E27FC236}">
+                <a16:creationId xmlns:a16="http://schemas.microsoft.com/office/drawing/2014/main" id="{1BFDC830-5359-789D-6341-EF25BE2F735B}"/>
+              </a:ext>
+            </a:extLst>
+          </p:cNvPr>
+          <p:cNvSpPr>
+            <a:spLocks noGrp="1"/>
+          </p:cNvSpPr>
+          <p:nvPr>
+            <p:ph idx="1"/>
+          </p:nvPr>
+        </p:nvSpPr>
+        <p:spPr/>
+        <p:txBody>
+          <a:bodyPr/>
+          <a:lstStyle/>
+          <a:p>
+            <a:r>
+              <a:rPr lang="en-US" dirty="0"/>
+              <a:t>Class-level</a:t>
+            </a:r>
+          </a:p>
+          <a:p>
+            <a:r>
+              <a:rPr lang="en-US" dirty="0"/>
+              <a:t>Sentence-level</a:t>
+            </a:r>
+          </a:p>
+          <a:p>
+            <a:r>
+              <a:rPr lang="en-US" dirty="0"/>
+              <a:t>Phrase-level</a:t>
+            </a:r>
+          </a:p>
+        </p:txBody>
+      </p:sp>
+    </p:spTree>
+    <p:extLst>
+      <p:ext uri="{BB962C8B-B14F-4D97-AF65-F5344CB8AC3E}">
+        <p14:creationId xmlns:p14="http://schemas.microsoft.com/office/powerpoint/2010/main" val="4280269960"/>
+      </p:ext>
+    </p:extLst>
+  </p:cSld>
+  <p:clrMapOvr>
+    <a:masterClrMapping/>
+  </p:clrMapOvr>
+</p:sld>
+</file>
+
+<file path=ppt/slides/slide77.xml><?xml version="1.0" encoding="utf-8"?>
+<p:sld xmlns:a="http://schemas.openxmlformats.org/drawingml/2006/main" xmlns:r="http://schemas.openxmlformats.org/officeDocument/2006/relationships" xmlns:p="http://schemas.openxmlformats.org/presentationml/2006/main">
+  <p:cSld>
+    <p:spTree>
+      <p:nvGrpSpPr>
+        <p:cNvPr id="1" name=""/>
+        <p:cNvGrpSpPr/>
+        <p:nvPr/>
+      </p:nvGrpSpPr>
+      <p:grpSpPr>
+        <a:xfrm>
+          <a:off x="0" y="0"/>
+          <a:ext cx="0" cy="0"/>
+          <a:chOff x="0" y="0"/>
+          <a:chExt cx="0" cy="0"/>
+        </a:xfrm>
+      </p:grpSpPr>
+      <p:sp>
+        <p:nvSpPr>
+          <p:cNvPr id="2" name="Title 1">
+            <a:extLst>
+              <a:ext uri="{FF2B5EF4-FFF2-40B4-BE49-F238E27FC236}">
+                <a16:creationId xmlns:a16="http://schemas.microsoft.com/office/drawing/2014/main" id="{E000DF55-BDAC-038D-7EF6-54AF97B4E08A}"/>
+              </a:ext>
+            </a:extLst>
+          </p:cNvPr>
+          <p:cNvSpPr>
+            <a:spLocks noGrp="1"/>
+          </p:cNvSpPr>
+          <p:nvPr>
+            <p:ph type="title"/>
+          </p:nvPr>
+        </p:nvSpPr>
+        <p:spPr/>
+        <p:txBody>
+          <a:bodyPr/>
+          <a:lstStyle/>
+          <a:p>
+            <a:r>
+              <a:rPr lang="en-US" dirty="0"/>
+              <a:t>Integrated Model</a:t>
+            </a:r>
+          </a:p>
+        </p:txBody>
+      </p:sp>
+      <p:sp>
+        <p:nvSpPr>
+          <p:cNvPr id="3" name="Content Placeholder 2">
+            <a:extLst>
+              <a:ext uri="{FF2B5EF4-FFF2-40B4-BE49-F238E27FC236}">
+                <a16:creationId xmlns:a16="http://schemas.microsoft.com/office/drawing/2014/main" id="{8DFA101F-C62F-33E4-51AC-BCCDE217CD64}"/>
+              </a:ext>
+            </a:extLst>
+          </p:cNvPr>
+          <p:cNvSpPr>
+            <a:spLocks noGrp="1"/>
+          </p:cNvSpPr>
+          <p:nvPr>
+            <p:ph idx="1"/>
+          </p:nvPr>
+        </p:nvSpPr>
+        <p:spPr/>
+        <p:txBody>
+          <a:bodyPr/>
+          <a:lstStyle/>
+          <a:p>
+            <a:r>
+              <a:rPr lang="en-US" dirty="0"/>
+              <a:t>Inference:</a:t>
+            </a:r>
+          </a:p>
+          <a:p>
+            <a:pPr lvl="1"/>
+            <a:r>
+              <a:rPr lang="en-US" dirty="0"/>
+              <a:t>Coarse Grained</a:t>
+            </a:r>
+          </a:p>
+          <a:p>
+            <a:pPr lvl="2"/>
+            <a:r>
+              <a:rPr lang="en-US" dirty="0"/>
+              <a:t>Smart Speaker Models: Alexa Echo/Google Nest/Others</a:t>
+            </a:r>
+          </a:p>
+          <a:p>
+            <a:pPr lvl="2"/>
+            <a:r>
+              <a:rPr lang="en-US" dirty="0"/>
+              <a:t>Basic Types: Simple/Skills/Streaming</a:t>
+            </a:r>
+          </a:p>
+          <a:p>
+            <a:pPr lvl="2"/>
+            <a:r>
+              <a:rPr lang="en-US" dirty="0"/>
+              <a:t>Categories: Shopping/Weather/Timer/Traffic/…</a:t>
+            </a:r>
+          </a:p>
+          <a:p>
+            <a:pPr lvl="1"/>
+            <a:r>
+              <a:rPr lang="en-US" dirty="0"/>
+              <a:t>Fine Grained:</a:t>
+            </a:r>
+          </a:p>
+          <a:p>
+            <a:pPr lvl="2"/>
+            <a:r>
+              <a:rPr lang="en-US" dirty="0"/>
+              <a:t>Sentences Level: Mixed 50 or 100 sentences</a:t>
+            </a:r>
+          </a:p>
+          <a:p>
+            <a:pPr lvl="2"/>
+            <a:r>
+              <a:rPr lang="en-US" dirty="0"/>
+              <a:t>Phrases Level</a:t>
+            </a:r>
+          </a:p>
+          <a:p>
+            <a:pPr lvl="2"/>
+            <a:r>
+              <a:rPr lang="en-US" dirty="0"/>
+              <a:t>Words Level</a:t>
+            </a:r>
+          </a:p>
+        </p:txBody>
+      </p:sp>
+    </p:spTree>
+    <p:extLst>
+      <p:ext uri="{BB962C8B-B14F-4D97-AF65-F5344CB8AC3E}">
+        <p14:creationId xmlns:p14="http://schemas.microsoft.com/office/powerpoint/2010/main" val="3090485786"/>
+      </p:ext>
+    </p:extLst>
+  </p:cSld>
+  <p:clrMapOvr>
+    <a:masterClrMapping/>
+  </p:clrMapOvr>
+</p:sld>
+</file>
+
+<file path=ppt/slides/slide78.xml><?xml version="1.0" encoding="utf-8"?>
+<p:sld xmlns:a="http://schemas.openxmlformats.org/drawingml/2006/main" xmlns:r="http://schemas.openxmlformats.org/officeDocument/2006/relationships" xmlns:p="http://schemas.openxmlformats.org/presentationml/2006/main">
+  <p:cSld>
+    <p:spTree>
+      <p:nvGrpSpPr>
+        <p:cNvPr id="1" name=""/>
+        <p:cNvGrpSpPr/>
+        <p:nvPr/>
+      </p:nvGrpSpPr>
+      <p:grpSpPr>
+        <a:xfrm>
+          <a:off x="0" y="0"/>
+          <a:ext cx="0" cy="0"/>
+          <a:chOff x="0" y="0"/>
+          <a:chExt cx="0" cy="0"/>
+        </a:xfrm>
+      </p:grpSpPr>
+      <p:sp>
+        <p:nvSpPr>
+          <p:cNvPr id="2" name="Title 1">
+            <a:extLst>
+              <a:ext uri="{FF2B5EF4-FFF2-40B4-BE49-F238E27FC236}">
+                <a16:creationId xmlns:a16="http://schemas.microsoft.com/office/drawing/2014/main" id="{08AFAAFE-B8C4-FF9F-418D-E9A1C22C9474}"/>
+              </a:ext>
+            </a:extLst>
+          </p:cNvPr>
+          <p:cNvSpPr>
+            <a:spLocks noGrp="1"/>
+          </p:cNvSpPr>
+          <p:nvPr>
+            <p:ph type="title"/>
+          </p:nvPr>
+        </p:nvSpPr>
+        <p:spPr/>
+        <p:txBody>
+          <a:bodyPr/>
+          <a:lstStyle/>
+          <a:p>
+            <a:r>
+              <a:rPr lang="en-US" dirty="0"/>
+              <a:t>Phrase Level</a:t>
+            </a:r>
+          </a:p>
+        </p:txBody>
+      </p:sp>
+      <p:sp>
+        <p:nvSpPr>
+          <p:cNvPr id="3" name="Content Placeholder 2">
+            <a:extLst>
+              <a:ext uri="{FF2B5EF4-FFF2-40B4-BE49-F238E27FC236}">
+                <a16:creationId xmlns:a16="http://schemas.microsoft.com/office/drawing/2014/main" id="{EE1F7FEE-D2B4-070A-671D-3BECB80442E5}"/>
+              </a:ext>
+            </a:extLst>
+          </p:cNvPr>
+          <p:cNvSpPr>
+            <a:spLocks noGrp="1"/>
+          </p:cNvSpPr>
+          <p:nvPr>
+            <p:ph idx="1"/>
+          </p:nvPr>
+        </p:nvSpPr>
+        <p:spPr/>
+        <p:txBody>
+          <a:bodyPr>
+            <a:normAutofit fontScale="92500" lnSpcReduction="20000"/>
+          </a:bodyPr>
+          <a:lstStyle/>
+          <a:p>
+            <a:r>
+              <a:rPr lang="en-US" dirty="0"/>
+              <a:t>In a same class, for example, “weather”</a:t>
+            </a:r>
+          </a:p>
+          <a:p>
+            <a:pPr lvl="1"/>
+            <a:r>
+              <a:rPr lang="en-US" dirty="0"/>
+              <a:t>"What is the weather?"</a:t>
+            </a:r>
+          </a:p>
+          <a:p>
+            <a:pPr lvl="1"/>
+            <a:r>
+              <a:rPr lang="en-US" dirty="0"/>
+              <a:t>"What is the weather today?“</a:t>
+            </a:r>
+          </a:p>
+          <a:p>
+            <a:pPr lvl="1"/>
+            <a:r>
+              <a:rPr lang="en-US" dirty="0"/>
+              <a:t>"will it rain tomorrow“</a:t>
+            </a:r>
+          </a:p>
+          <a:p>
+            <a:pPr lvl="1"/>
+            <a:r>
+              <a:rPr lang="en-US" dirty="0"/>
+              <a:t>"Will it rain tomorrow in Golden, Colorado?“</a:t>
+            </a:r>
+          </a:p>
+          <a:p>
+            <a:r>
+              <a:rPr lang="en-US" dirty="0"/>
+              <a:t>Trim some part of traffic, will it decrease or increase accuracy?</a:t>
+            </a:r>
+          </a:p>
+          <a:p>
+            <a:r>
+              <a:rPr lang="en-US" dirty="0"/>
+              <a:t>Assumption: </a:t>
+            </a:r>
+          </a:p>
+          <a:p>
+            <a:pPr lvl="1"/>
+            <a:r>
+              <a:rPr lang="en-US" dirty="0"/>
+              <a:t>Outgoing traffic data will be affected after trimming. </a:t>
+            </a:r>
+          </a:p>
+          <a:p>
+            <a:pPr lvl="1"/>
+            <a:r>
+              <a:rPr lang="en-US" dirty="0"/>
+              <a:t>Incoming traffic data will be the same if the response is still the same.</a:t>
+            </a:r>
+          </a:p>
+          <a:p>
+            <a:r>
+              <a:rPr lang="en-US" dirty="0"/>
+              <a:t>I believe the incoming traffic of "will it rain tomorrow“ and "Will it rain tomorrow in Golden, Colorado?“ will be the same. But outgoing traffic data will be different.</a:t>
+            </a:r>
+          </a:p>
+          <a:p>
+            <a:pPr lvl="1"/>
+            <a:endParaRPr lang="en-US" dirty="0"/>
+          </a:p>
+          <a:p>
+            <a:pPr lvl="1"/>
+            <a:endParaRPr lang="en-US" dirty="0"/>
+          </a:p>
+        </p:txBody>
+      </p:sp>
+    </p:spTree>
+    <p:extLst>
+      <p:ext uri="{BB962C8B-B14F-4D97-AF65-F5344CB8AC3E}">
+        <p14:creationId xmlns:p14="http://schemas.microsoft.com/office/powerpoint/2010/main" val="1266033689"/>
+      </p:ext>
+    </p:extLst>
+  </p:cSld>
+  <p:clrMapOvr>
+    <a:masterClrMapping/>
+  </p:clrMapOvr>
+</p:sld>
+</file>
+
+<file path=ppt/slides/slide79.xml><?xml version="1.0" encoding="utf-8"?>
+<p:sld xmlns:a="http://schemas.openxmlformats.org/drawingml/2006/main" xmlns:r="http://schemas.openxmlformats.org/officeDocument/2006/relationships" xmlns:p="http://schemas.openxmlformats.org/presentationml/2006/main">
+  <p:cSld>
+    <p:spTree>
+      <p:nvGrpSpPr>
+        <p:cNvPr id="1" name=""/>
+        <p:cNvGrpSpPr/>
+        <p:nvPr/>
+      </p:nvGrpSpPr>
+      <p:grpSpPr>
+        <a:xfrm>
+          <a:off x="0" y="0"/>
+          <a:ext cx="0" cy="0"/>
+          <a:chOff x="0" y="0"/>
+          <a:chExt cx="0" cy="0"/>
+        </a:xfrm>
+      </p:grpSpPr>
+      <p:sp>
+        <p:nvSpPr>
+          <p:cNvPr id="2" name="Title 1">
+            <a:extLst>
+              <a:ext uri="{FF2B5EF4-FFF2-40B4-BE49-F238E27FC236}">
+                <a16:creationId xmlns:a16="http://schemas.microsoft.com/office/drawing/2014/main" id="{5E1BF75B-E26A-77F3-9228-841F6E2E0DDC}"/>
+              </a:ext>
+            </a:extLst>
+          </p:cNvPr>
+          <p:cNvSpPr>
+            <a:spLocks noGrp="1"/>
+          </p:cNvSpPr>
+          <p:nvPr>
+            <p:ph type="title"/>
+          </p:nvPr>
+        </p:nvSpPr>
+        <p:spPr/>
+        <p:txBody>
+          <a:bodyPr/>
+          <a:lstStyle/>
+          <a:p>
+            <a:r>
+              <a:rPr lang="en-US" dirty="0"/>
+              <a:t>Database </a:t>
+            </a:r>
+          </a:p>
+        </p:txBody>
+      </p:sp>
+      <p:sp>
+        <p:nvSpPr>
+          <p:cNvPr id="3" name="Content Placeholder 2">
+            <a:extLst>
+              <a:ext uri="{FF2B5EF4-FFF2-40B4-BE49-F238E27FC236}">
+                <a16:creationId xmlns:a16="http://schemas.microsoft.com/office/drawing/2014/main" id="{79F25DC1-44DB-5C49-A5C2-9FEC32100E49}"/>
+              </a:ext>
+            </a:extLst>
+          </p:cNvPr>
+          <p:cNvSpPr>
+            <a:spLocks noGrp="1"/>
+          </p:cNvSpPr>
+          <p:nvPr>
+            <p:ph idx="1"/>
+          </p:nvPr>
+        </p:nvSpPr>
+        <p:spPr/>
+        <p:txBody>
+          <a:bodyPr/>
+          <a:lstStyle/>
+          <a:p>
+            <a:r>
+              <a:rPr lang="en-US" dirty="0"/>
+              <a:t>Application Scenarios: </a:t>
+            </a:r>
+          </a:p>
+          <a:p>
+            <a:pPr lvl="1"/>
+            <a:r>
+              <a:rPr lang="en-US" dirty="0"/>
+              <a:t>Outside attacker monitors traffic continuously for a long time.</a:t>
+            </a:r>
+          </a:p>
+          <a:p>
+            <a:pPr lvl="1"/>
+            <a:endParaRPr lang="en-US" dirty="0"/>
+          </a:p>
+          <a:p>
+            <a:r>
+              <a:rPr lang="en-US" dirty="0"/>
+              <a:t>  </a:t>
+            </a:r>
+          </a:p>
+        </p:txBody>
+      </p:sp>
+    </p:spTree>
+    <p:extLst>
+      <p:ext uri="{BB962C8B-B14F-4D97-AF65-F5344CB8AC3E}">
+        <p14:creationId xmlns:p14="http://schemas.microsoft.com/office/powerpoint/2010/main" val="4264546798"/>
       </p:ext>
     </p:extLst>
   </p:cSld>

--- a/note/Presentation1.pptx
+++ b/note/Presentation1.pptx
@@ -5,7 +5,7 @@
     <p:sldMasterId id="2147483648" r:id="rId1"/>
   </p:sldMasterIdLst>
   <p:notesMasterIdLst>
-    <p:notesMasterId r:id="rId81"/>
+    <p:notesMasterId r:id="rId83"/>
   </p:notesMasterIdLst>
   <p:sldIdLst>
     <p:sldId id="256" r:id="rId2"/>
@@ -86,7 +86,9 @@
     <p:sldId id="342" r:id="rId77"/>
     <p:sldId id="344" r:id="rId78"/>
     <p:sldId id="343" r:id="rId79"/>
-    <p:sldId id="345" r:id="rId80"/>
+    <p:sldId id="346" r:id="rId80"/>
+    <p:sldId id="345" r:id="rId81"/>
+    <p:sldId id="347" r:id="rId82"/>
   </p:sldIdLst>
   <p:sldSz cx="12192000" cy="6858000"/>
   <p:notesSz cx="6858000" cy="9144000"/>
@@ -275,7 +277,7 @@
           <a:p>
             <a:fld id="{72646578-14F6-4B4C-9607-C52529FEB0BF}" type="datetimeFigureOut">
               <a:rPr lang="en-US" smtClean="0"/>
-              <a:t>3/26/2024</a:t>
+              <a:t>3/28/24</a:t>
             </a:fld>
             <a:endParaRPr lang="en-US"/>
           </a:p>
@@ -569,7 +571,12 @@
             <p:ph type="sldImg"/>
           </p:nvPr>
         </p:nvSpPr>
-        <p:spPr/>
+        <p:spPr>
+          <a:xfrm>
+            <a:off x="685800" y="1143000"/>
+            <a:ext cx="5486400" cy="3086100"/>
+          </a:xfrm>
+        </p:spPr>
       </p:sp>
       <p:sp>
         <p:nvSpPr>
@@ -795,7 +802,12 @@
             <p:ph type="sldImg"/>
           </p:nvPr>
         </p:nvSpPr>
-        <p:spPr/>
+        <p:spPr>
+          <a:xfrm>
+            <a:off x="685800" y="1143000"/>
+            <a:ext cx="5486400" cy="3086100"/>
+          </a:xfrm>
+        </p:spPr>
       </p:sp>
       <p:sp>
         <p:nvSpPr>
@@ -882,7 +894,12 @@
             <p:ph type="sldImg"/>
           </p:nvPr>
         </p:nvSpPr>
-        <p:spPr/>
+        <p:spPr>
+          <a:xfrm>
+            <a:off x="685800" y="1143000"/>
+            <a:ext cx="5486400" cy="3086100"/>
+          </a:xfrm>
+        </p:spPr>
       </p:sp>
       <p:sp>
         <p:nvSpPr>
@@ -942,6 +959,293 @@
     <p:extLst>
       <p:ext uri="{BB962C8B-B14F-4D97-AF65-F5344CB8AC3E}">
         <p14:creationId xmlns:p14="http://schemas.microsoft.com/office/powerpoint/2010/main" val="1779106953"/>
+      </p:ext>
+    </p:extLst>
+  </p:cSld>
+  <p:clrMapOvr>
+    <a:masterClrMapping/>
+  </p:clrMapOvr>
+</p:notes>
+</file>
+
+<file path=ppt/notesSlides/notesSlide12.xml><?xml version="1.0" encoding="utf-8"?>
+<p:notes xmlns:a="http://schemas.openxmlformats.org/drawingml/2006/main" xmlns:r="http://schemas.openxmlformats.org/officeDocument/2006/relationships" xmlns:p="http://schemas.openxmlformats.org/presentationml/2006/main">
+  <p:cSld>
+    <p:spTree>
+      <p:nvGrpSpPr>
+        <p:cNvPr id="1" name=""/>
+        <p:cNvGrpSpPr/>
+        <p:nvPr/>
+      </p:nvGrpSpPr>
+      <p:grpSpPr>
+        <a:xfrm>
+          <a:off x="0" y="0"/>
+          <a:ext cx="0" cy="0"/>
+          <a:chOff x="0" y="0"/>
+          <a:chExt cx="0" cy="0"/>
+        </a:xfrm>
+      </p:grpSpPr>
+      <p:sp>
+        <p:nvSpPr>
+          <p:cNvPr id="2" name="Slide Image Placeholder 1"/>
+          <p:cNvSpPr>
+            <a:spLocks noGrp="1" noRot="1" noChangeAspect="1"/>
+          </p:cNvSpPr>
+          <p:nvPr>
+            <p:ph type="sldImg"/>
+          </p:nvPr>
+        </p:nvSpPr>
+        <p:spPr>
+          <a:xfrm>
+            <a:off x="685800" y="1143000"/>
+            <a:ext cx="5486400" cy="3086100"/>
+          </a:xfrm>
+        </p:spPr>
+      </p:sp>
+      <p:sp>
+        <p:nvSpPr>
+          <p:cNvPr id="3" name="Notes Placeholder 2"/>
+          <p:cNvSpPr>
+            <a:spLocks noGrp="1"/>
+          </p:cNvSpPr>
+          <p:nvPr>
+            <p:ph type="body" idx="1"/>
+          </p:nvPr>
+        </p:nvSpPr>
+        <p:spPr/>
+        <p:txBody>
+          <a:bodyPr/>
+          <a:lstStyle/>
+          <a:p>
+            <a:r>
+              <a:rPr lang="en-US" altLang="zh-CN" dirty="0"/>
+              <a:t>PCA</a:t>
+            </a:r>
+            <a:endParaRPr lang="en-US" dirty="0"/>
+          </a:p>
+        </p:txBody>
+      </p:sp>
+      <p:sp>
+        <p:nvSpPr>
+          <p:cNvPr id="4" name="Slide Number Placeholder 3"/>
+          <p:cNvSpPr>
+            <a:spLocks noGrp="1"/>
+          </p:cNvSpPr>
+          <p:nvPr>
+            <p:ph type="sldNum" sz="quarter" idx="5"/>
+          </p:nvPr>
+        </p:nvSpPr>
+        <p:spPr/>
+        <p:txBody>
+          <a:bodyPr/>
+          <a:lstStyle/>
+          <a:p>
+            <a:fld id="{88682BC9-22E9-B640-848B-A22C37F71A64}" type="slidenum">
+              <a:rPr lang="en-US" smtClean="0"/>
+              <a:t>71</a:t>
+            </a:fld>
+            <a:endParaRPr lang="en-US"/>
+          </a:p>
+        </p:txBody>
+      </p:sp>
+    </p:spTree>
+    <p:extLst>
+      <p:ext uri="{BB962C8B-B14F-4D97-AF65-F5344CB8AC3E}">
+        <p14:creationId xmlns:p14="http://schemas.microsoft.com/office/powerpoint/2010/main" val="2231464018"/>
+      </p:ext>
+    </p:extLst>
+  </p:cSld>
+  <p:clrMapOvr>
+    <a:masterClrMapping/>
+  </p:clrMapOvr>
+</p:notes>
+</file>
+
+<file path=ppt/notesSlides/notesSlide13.xml><?xml version="1.0" encoding="utf-8"?>
+<p:notes xmlns:a="http://schemas.openxmlformats.org/drawingml/2006/main" xmlns:r="http://schemas.openxmlformats.org/officeDocument/2006/relationships" xmlns:p="http://schemas.openxmlformats.org/presentationml/2006/main">
+  <p:cSld>
+    <p:spTree>
+      <p:nvGrpSpPr>
+        <p:cNvPr id="1" name=""/>
+        <p:cNvGrpSpPr/>
+        <p:nvPr/>
+      </p:nvGrpSpPr>
+      <p:grpSpPr>
+        <a:xfrm>
+          <a:off x="0" y="0"/>
+          <a:ext cx="0" cy="0"/>
+          <a:chOff x="0" y="0"/>
+          <a:chExt cx="0" cy="0"/>
+        </a:xfrm>
+      </p:grpSpPr>
+      <p:sp>
+        <p:nvSpPr>
+          <p:cNvPr id="2" name="Slide Image Placeholder 1"/>
+          <p:cNvSpPr>
+            <a:spLocks noGrp="1" noRot="1" noChangeAspect="1"/>
+          </p:cNvSpPr>
+          <p:nvPr>
+            <p:ph type="sldImg"/>
+          </p:nvPr>
+        </p:nvSpPr>
+        <p:spPr>
+          <a:xfrm>
+            <a:off x="685800" y="1143000"/>
+            <a:ext cx="5486400" cy="3086100"/>
+          </a:xfrm>
+        </p:spPr>
+      </p:sp>
+      <p:sp>
+        <p:nvSpPr>
+          <p:cNvPr id="3" name="Notes Placeholder 2"/>
+          <p:cNvSpPr>
+            <a:spLocks noGrp="1"/>
+          </p:cNvSpPr>
+          <p:nvPr>
+            <p:ph type="body" idx="1"/>
+          </p:nvPr>
+        </p:nvSpPr>
+        <p:spPr/>
+        <p:txBody>
+          <a:bodyPr/>
+          <a:lstStyle/>
+          <a:p>
+            <a:r>
+              <a:rPr lang="en-US" altLang="zh-CN" dirty="0"/>
+              <a:t>reinforcement</a:t>
+            </a:r>
+            <a:endParaRPr lang="en-US" dirty="0"/>
+          </a:p>
+        </p:txBody>
+      </p:sp>
+      <p:sp>
+        <p:nvSpPr>
+          <p:cNvPr id="4" name="Slide Number Placeholder 3"/>
+          <p:cNvSpPr>
+            <a:spLocks noGrp="1"/>
+          </p:cNvSpPr>
+          <p:nvPr>
+            <p:ph type="sldNum" sz="quarter" idx="5"/>
+          </p:nvPr>
+        </p:nvSpPr>
+        <p:spPr/>
+        <p:txBody>
+          <a:bodyPr/>
+          <a:lstStyle/>
+          <a:p>
+            <a:fld id="{88682BC9-22E9-B640-848B-A22C37F71A64}" type="slidenum">
+              <a:rPr lang="en-US" smtClean="0"/>
+              <a:t>77</a:t>
+            </a:fld>
+            <a:endParaRPr lang="en-US"/>
+          </a:p>
+        </p:txBody>
+      </p:sp>
+    </p:spTree>
+    <p:extLst>
+      <p:ext uri="{BB962C8B-B14F-4D97-AF65-F5344CB8AC3E}">
+        <p14:creationId xmlns:p14="http://schemas.microsoft.com/office/powerpoint/2010/main" val="1323471091"/>
+      </p:ext>
+    </p:extLst>
+  </p:cSld>
+  <p:clrMapOvr>
+    <a:masterClrMapping/>
+  </p:clrMapOvr>
+</p:notes>
+</file>
+
+<file path=ppt/notesSlides/notesSlide14.xml><?xml version="1.0" encoding="utf-8"?>
+<p:notes xmlns:a="http://schemas.openxmlformats.org/drawingml/2006/main" xmlns:r="http://schemas.openxmlformats.org/officeDocument/2006/relationships" xmlns:p="http://schemas.openxmlformats.org/presentationml/2006/main">
+  <p:cSld>
+    <p:spTree>
+      <p:nvGrpSpPr>
+        <p:cNvPr id="1" name=""/>
+        <p:cNvGrpSpPr/>
+        <p:nvPr/>
+      </p:nvGrpSpPr>
+      <p:grpSpPr>
+        <a:xfrm>
+          <a:off x="0" y="0"/>
+          <a:ext cx="0" cy="0"/>
+          <a:chOff x="0" y="0"/>
+          <a:chExt cx="0" cy="0"/>
+        </a:xfrm>
+      </p:grpSpPr>
+      <p:sp>
+        <p:nvSpPr>
+          <p:cNvPr id="2" name="Slide Image Placeholder 1"/>
+          <p:cNvSpPr>
+            <a:spLocks noGrp="1" noRot="1" noChangeAspect="1"/>
+          </p:cNvSpPr>
+          <p:nvPr>
+            <p:ph type="sldImg"/>
+          </p:nvPr>
+        </p:nvSpPr>
+        <p:spPr>
+          <a:xfrm>
+            <a:off x="685800" y="1143000"/>
+            <a:ext cx="5486400" cy="3086100"/>
+          </a:xfrm>
+        </p:spPr>
+      </p:sp>
+      <p:sp>
+        <p:nvSpPr>
+          <p:cNvPr id="3" name="Notes Placeholder 2"/>
+          <p:cNvSpPr>
+            <a:spLocks noGrp="1"/>
+          </p:cNvSpPr>
+          <p:nvPr>
+            <p:ph type="body" idx="1"/>
+          </p:nvPr>
+        </p:nvSpPr>
+        <p:spPr/>
+        <p:txBody>
+          <a:bodyPr/>
+          <a:lstStyle/>
+          <a:p>
+            <a:r>
+              <a:rPr lang="en-US" altLang="zh-CN" dirty="0"/>
+              <a:t>Top</a:t>
+            </a:r>
+            <a:r>
+              <a:rPr lang="zh-CN" altLang="en-US" dirty="0"/>
+              <a:t> </a:t>
+            </a:r>
+            <a:r>
+              <a:rPr lang="en-US" altLang="zh-CN" dirty="0"/>
+              <a:t>k</a:t>
+            </a:r>
+            <a:endParaRPr lang="en-US" dirty="0"/>
+          </a:p>
+        </p:txBody>
+      </p:sp>
+      <p:sp>
+        <p:nvSpPr>
+          <p:cNvPr id="4" name="Slide Number Placeholder 3"/>
+          <p:cNvSpPr>
+            <a:spLocks noGrp="1"/>
+          </p:cNvSpPr>
+          <p:nvPr>
+            <p:ph type="sldNum" sz="quarter" idx="5"/>
+          </p:nvPr>
+        </p:nvSpPr>
+        <p:spPr/>
+        <p:txBody>
+          <a:bodyPr/>
+          <a:lstStyle/>
+          <a:p>
+            <a:fld id="{88682BC9-22E9-B640-848B-A22C37F71A64}" type="slidenum">
+              <a:rPr lang="en-US" smtClean="0"/>
+              <a:t>78</a:t>
+            </a:fld>
+            <a:endParaRPr lang="en-US"/>
+          </a:p>
+        </p:txBody>
+      </p:sp>
+    </p:spTree>
+    <p:extLst>
+      <p:ext uri="{BB962C8B-B14F-4D97-AF65-F5344CB8AC3E}">
+        <p14:creationId xmlns:p14="http://schemas.microsoft.com/office/powerpoint/2010/main" val="2757656651"/>
       </p:ext>
     </p:extLst>
   </p:cSld>
@@ -978,7 +1282,12 @@
             <p:ph type="sldImg"/>
           </p:nvPr>
         </p:nvSpPr>
-        <p:spPr/>
+        <p:spPr>
+          <a:xfrm>
+            <a:off x="685800" y="1143000"/>
+            <a:ext cx="5486400" cy="3086100"/>
+          </a:xfrm>
+        </p:spPr>
       </p:sp>
       <p:sp>
         <p:nvSpPr>
@@ -1126,7 +1435,12 @@
             <p:ph type="sldImg"/>
           </p:nvPr>
         </p:nvSpPr>
-        <p:spPr/>
+        <p:spPr>
+          <a:xfrm>
+            <a:off x="685800" y="1143000"/>
+            <a:ext cx="5486400" cy="3086100"/>
+          </a:xfrm>
+        </p:spPr>
       </p:sp>
       <p:sp>
         <p:nvSpPr>
@@ -1262,7 +1576,12 @@
             <p:ph type="sldImg"/>
           </p:nvPr>
         </p:nvSpPr>
-        <p:spPr/>
+        <p:spPr>
+          <a:xfrm>
+            <a:off x="685800" y="1143000"/>
+            <a:ext cx="5486400" cy="3086100"/>
+          </a:xfrm>
+        </p:spPr>
       </p:sp>
       <p:sp>
         <p:nvSpPr>
@@ -1346,7 +1665,12 @@
             <p:ph type="sldImg"/>
           </p:nvPr>
         </p:nvSpPr>
-        <p:spPr/>
+        <p:spPr>
+          <a:xfrm>
+            <a:off x="685800" y="1143000"/>
+            <a:ext cx="5486400" cy="3086100"/>
+          </a:xfrm>
+        </p:spPr>
       </p:sp>
       <p:sp>
         <p:nvSpPr>
@@ -1430,7 +1754,12 @@
             <p:ph type="sldImg"/>
           </p:nvPr>
         </p:nvSpPr>
-        <p:spPr/>
+        <p:spPr>
+          <a:xfrm>
+            <a:off x="685800" y="1143000"/>
+            <a:ext cx="5486400" cy="3086100"/>
+          </a:xfrm>
+        </p:spPr>
       </p:sp>
       <p:sp>
         <p:nvSpPr>
@@ -1514,7 +1843,12 @@
             <p:ph type="sldImg"/>
           </p:nvPr>
         </p:nvSpPr>
-        <p:spPr/>
+        <p:spPr>
+          <a:xfrm>
+            <a:off x="685800" y="1143000"/>
+            <a:ext cx="5486400" cy="3086100"/>
+          </a:xfrm>
+        </p:spPr>
       </p:sp>
       <p:sp>
         <p:nvSpPr>
@@ -1601,7 +1935,12 @@
             <p:ph type="sldImg"/>
           </p:nvPr>
         </p:nvSpPr>
-        <p:spPr/>
+        <p:spPr>
+          <a:xfrm>
+            <a:off x="685800" y="1143000"/>
+            <a:ext cx="5486400" cy="3086100"/>
+          </a:xfrm>
+        </p:spPr>
       </p:sp>
       <p:sp>
         <p:nvSpPr>
@@ -1685,7 +2024,12 @@
             <p:ph type="sldImg"/>
           </p:nvPr>
         </p:nvSpPr>
-        <p:spPr/>
+        <p:spPr>
+          <a:xfrm>
+            <a:off x="685800" y="1143000"/>
+            <a:ext cx="5486400" cy="3086100"/>
+          </a:xfrm>
+        </p:spPr>
       </p:sp>
       <p:sp>
         <p:nvSpPr>
@@ -1828,35 +2172,35 @@
               <a:buNone/>
               <a:defRPr sz="2400"/>
             </a:lvl1pPr>
-            <a:lvl2pPr marL="457200" indent="0" algn="ctr">
+            <a:lvl2pPr marL="457175" indent="0" algn="ctr">
               <a:buNone/>
               <a:defRPr sz="2000"/>
             </a:lvl2pPr>
-            <a:lvl3pPr marL="914400" indent="0" algn="ctr">
+            <a:lvl3pPr marL="914350" indent="0" algn="ctr">
               <a:buNone/>
               <a:defRPr sz="1800"/>
             </a:lvl3pPr>
-            <a:lvl4pPr marL="1371600" indent="0" algn="ctr">
+            <a:lvl4pPr marL="1371525" indent="0" algn="ctr">
               <a:buNone/>
               <a:defRPr sz="1600"/>
             </a:lvl4pPr>
-            <a:lvl5pPr marL="1828800" indent="0" algn="ctr">
+            <a:lvl5pPr marL="1828699" indent="0" algn="ctr">
               <a:buNone/>
               <a:defRPr sz="1600"/>
             </a:lvl5pPr>
-            <a:lvl6pPr marL="2286000" indent="0" algn="ctr">
+            <a:lvl6pPr marL="2285874" indent="0" algn="ctr">
               <a:buNone/>
               <a:defRPr sz="1600"/>
             </a:lvl6pPr>
-            <a:lvl7pPr marL="2743200" indent="0" algn="ctr">
+            <a:lvl7pPr marL="2743049" indent="0" algn="ctr">
               <a:buNone/>
               <a:defRPr sz="1600"/>
             </a:lvl7pPr>
-            <a:lvl8pPr marL="3200400" indent="0" algn="ctr">
+            <a:lvl8pPr marL="3200224" indent="0" algn="ctr">
               <a:buNone/>
               <a:defRPr sz="1600"/>
             </a:lvl8pPr>
-            <a:lvl9pPr marL="3657600" indent="0" algn="ctr">
+            <a:lvl9pPr marL="3657399" indent="0" algn="ctr">
               <a:buNone/>
               <a:defRPr sz="1600"/>
             </a:lvl9pPr>
@@ -1892,7 +2236,7 @@
           <a:p>
             <a:fld id="{78CD1D6E-A027-634F-BC83-5ADA8E496EAB}" type="datetimeFigureOut">
               <a:rPr lang="en-US" smtClean="0"/>
-              <a:t>3/26/2024</a:t>
+              <a:t>3/28/24</a:t>
             </a:fld>
             <a:endParaRPr lang="en-US"/>
           </a:p>
@@ -2090,7 +2434,7 @@
           <a:p>
             <a:fld id="{78CD1D6E-A027-634F-BC83-5ADA8E496EAB}" type="datetimeFigureOut">
               <a:rPr lang="en-US" smtClean="0"/>
-              <a:t>3/26/2024</a:t>
+              <a:t>3/28/24</a:t>
             </a:fld>
             <a:endParaRPr lang="en-US"/>
           </a:p>
@@ -2298,7 +2642,7 @@
           <a:p>
             <a:fld id="{78CD1D6E-A027-634F-BC83-5ADA8E496EAB}" type="datetimeFigureOut">
               <a:rPr lang="en-US" smtClean="0"/>
-              <a:t>3/26/2024</a:t>
+              <a:t>3/28/24</a:t>
             </a:fld>
             <a:endParaRPr lang="en-US"/>
           </a:p>
@@ -2496,7 +2840,7 @@
           <a:p>
             <a:fld id="{78CD1D6E-A027-634F-BC83-5ADA8E496EAB}" type="datetimeFigureOut">
               <a:rPr lang="en-US" smtClean="0"/>
-              <a:t>3/26/2024</a:t>
+              <a:t>3/28/24</a:t>
             </a:fld>
             <a:endParaRPr lang="en-US"/>
           </a:p>
@@ -2641,7 +2985,7 @@
         </p:nvSpPr>
         <p:spPr>
           <a:xfrm>
-            <a:off x="831850" y="4589463"/>
+            <a:off x="831850" y="4589467"/>
             <a:ext cx="10515600" cy="1500187"/>
           </a:xfrm>
         </p:spPr>
@@ -2658,7 +3002,7 @@
                 </a:solidFill>
               </a:defRPr>
             </a:lvl1pPr>
-            <a:lvl2pPr marL="457200" indent="0">
+            <a:lvl2pPr marL="457175" indent="0">
               <a:buNone/>
               <a:defRPr sz="2000">
                 <a:solidFill>
@@ -2668,7 +3012,7 @@
                 </a:solidFill>
               </a:defRPr>
             </a:lvl2pPr>
-            <a:lvl3pPr marL="914400" indent="0">
+            <a:lvl3pPr marL="914350" indent="0">
               <a:buNone/>
               <a:defRPr sz="1800">
                 <a:solidFill>
@@ -2678,7 +3022,7 @@
                 </a:solidFill>
               </a:defRPr>
             </a:lvl3pPr>
-            <a:lvl4pPr marL="1371600" indent="0">
+            <a:lvl4pPr marL="1371525" indent="0">
               <a:buNone/>
               <a:defRPr sz="1600">
                 <a:solidFill>
@@ -2688,7 +3032,7 @@
                 </a:solidFill>
               </a:defRPr>
             </a:lvl4pPr>
-            <a:lvl5pPr marL="1828800" indent="0">
+            <a:lvl5pPr marL="1828699" indent="0">
               <a:buNone/>
               <a:defRPr sz="1600">
                 <a:solidFill>
@@ -2698,7 +3042,7 @@
                 </a:solidFill>
               </a:defRPr>
             </a:lvl5pPr>
-            <a:lvl6pPr marL="2286000" indent="0">
+            <a:lvl6pPr marL="2285874" indent="0">
               <a:buNone/>
               <a:defRPr sz="1600">
                 <a:solidFill>
@@ -2708,7 +3052,7 @@
                 </a:solidFill>
               </a:defRPr>
             </a:lvl6pPr>
-            <a:lvl7pPr marL="2743200" indent="0">
+            <a:lvl7pPr marL="2743049" indent="0">
               <a:buNone/>
               <a:defRPr sz="1600">
                 <a:solidFill>
@@ -2718,7 +3062,7 @@
                 </a:solidFill>
               </a:defRPr>
             </a:lvl7pPr>
-            <a:lvl8pPr marL="3200400" indent="0">
+            <a:lvl8pPr marL="3200224" indent="0">
               <a:buNone/>
               <a:defRPr sz="1600">
                 <a:solidFill>
@@ -2728,7 +3072,7 @@
                 </a:solidFill>
               </a:defRPr>
             </a:lvl8pPr>
-            <a:lvl9pPr marL="3657600" indent="0">
+            <a:lvl9pPr marL="3657399" indent="0">
               <a:buNone/>
               <a:defRPr sz="1600">
                 <a:solidFill>
@@ -2771,7 +3115,7 @@
           <a:p>
             <a:fld id="{78CD1D6E-A027-634F-BC83-5ADA8E496EAB}" type="datetimeFigureOut">
               <a:rPr lang="en-US" smtClean="0"/>
-              <a:t>3/26/2024</a:t>
+              <a:t>3/28/24</a:t>
             </a:fld>
             <a:endParaRPr lang="en-US"/>
           </a:p>
@@ -3036,7 +3380,7 @@
           <a:p>
             <a:fld id="{78CD1D6E-A027-634F-BC83-5ADA8E496EAB}" type="datetimeFigureOut">
               <a:rPr lang="en-US" smtClean="0"/>
-              <a:t>3/26/2024</a:t>
+              <a:t>3/28/24</a:t>
             </a:fld>
             <a:endParaRPr lang="en-US"/>
           </a:p>
@@ -3144,7 +3488,7 @@
         </p:nvSpPr>
         <p:spPr>
           <a:xfrm>
-            <a:off x="839788" y="365125"/>
+            <a:off x="839788" y="365126"/>
             <a:ext cx="10515600" cy="1325563"/>
           </a:xfrm>
         </p:spPr>
@@ -3177,7 +3521,7 @@
         </p:nvSpPr>
         <p:spPr>
           <a:xfrm>
-            <a:off x="839788" y="1681163"/>
+            <a:off x="839790" y="1681163"/>
             <a:ext cx="5157787" cy="823912"/>
           </a:xfrm>
         </p:spPr>
@@ -3188,35 +3532,35 @@
               <a:buNone/>
               <a:defRPr sz="2400" b="1"/>
             </a:lvl1pPr>
-            <a:lvl2pPr marL="457200" indent="0">
+            <a:lvl2pPr marL="457175" indent="0">
               <a:buNone/>
               <a:defRPr sz="2000" b="1"/>
             </a:lvl2pPr>
-            <a:lvl3pPr marL="914400" indent="0">
+            <a:lvl3pPr marL="914350" indent="0">
               <a:buNone/>
               <a:defRPr sz="1800" b="1"/>
             </a:lvl3pPr>
-            <a:lvl4pPr marL="1371600" indent="0">
+            <a:lvl4pPr marL="1371525" indent="0">
               <a:buNone/>
               <a:defRPr sz="1600" b="1"/>
             </a:lvl4pPr>
-            <a:lvl5pPr marL="1828800" indent="0">
+            <a:lvl5pPr marL="1828699" indent="0">
               <a:buNone/>
               <a:defRPr sz="1600" b="1"/>
             </a:lvl5pPr>
-            <a:lvl6pPr marL="2286000" indent="0">
+            <a:lvl6pPr marL="2285874" indent="0">
               <a:buNone/>
               <a:defRPr sz="1600" b="1"/>
             </a:lvl6pPr>
-            <a:lvl7pPr marL="2743200" indent="0">
+            <a:lvl7pPr marL="2743049" indent="0">
               <a:buNone/>
               <a:defRPr sz="1600" b="1"/>
             </a:lvl7pPr>
-            <a:lvl8pPr marL="3200400" indent="0">
+            <a:lvl8pPr marL="3200224" indent="0">
               <a:buNone/>
               <a:defRPr sz="1600" b="1"/>
             </a:lvl8pPr>
-            <a:lvl9pPr marL="3657600" indent="0">
+            <a:lvl9pPr marL="3657399" indent="0">
               <a:buNone/>
               <a:defRPr sz="1600" b="1"/>
             </a:lvl9pPr>
@@ -3248,7 +3592,7 @@
         </p:nvSpPr>
         <p:spPr>
           <a:xfrm>
-            <a:off x="839788" y="2505075"/>
+            <a:off x="839790" y="2505075"/>
             <a:ext cx="5157787" cy="3684588"/>
           </a:xfrm>
         </p:spPr>
@@ -3321,35 +3665,35 @@
               <a:buNone/>
               <a:defRPr sz="2400" b="1"/>
             </a:lvl1pPr>
-            <a:lvl2pPr marL="457200" indent="0">
+            <a:lvl2pPr marL="457175" indent="0">
               <a:buNone/>
               <a:defRPr sz="2000" b="1"/>
             </a:lvl2pPr>
-            <a:lvl3pPr marL="914400" indent="0">
+            <a:lvl3pPr marL="914350" indent="0">
               <a:buNone/>
               <a:defRPr sz="1800" b="1"/>
             </a:lvl3pPr>
-            <a:lvl4pPr marL="1371600" indent="0">
+            <a:lvl4pPr marL="1371525" indent="0">
               <a:buNone/>
               <a:defRPr sz="1600" b="1"/>
             </a:lvl4pPr>
-            <a:lvl5pPr marL="1828800" indent="0">
+            <a:lvl5pPr marL="1828699" indent="0">
               <a:buNone/>
               <a:defRPr sz="1600" b="1"/>
             </a:lvl5pPr>
-            <a:lvl6pPr marL="2286000" indent="0">
+            <a:lvl6pPr marL="2285874" indent="0">
               <a:buNone/>
               <a:defRPr sz="1600" b="1"/>
             </a:lvl6pPr>
-            <a:lvl7pPr marL="2743200" indent="0">
+            <a:lvl7pPr marL="2743049" indent="0">
               <a:buNone/>
               <a:defRPr sz="1600" b="1"/>
             </a:lvl7pPr>
-            <a:lvl8pPr marL="3200400" indent="0">
+            <a:lvl8pPr marL="3200224" indent="0">
               <a:buNone/>
               <a:defRPr sz="1600" b="1"/>
             </a:lvl8pPr>
-            <a:lvl9pPr marL="3657600" indent="0">
+            <a:lvl9pPr marL="3657399" indent="0">
               <a:buNone/>
               <a:defRPr sz="1600" b="1"/>
             </a:lvl9pPr>
@@ -3448,7 +3792,7 @@
           <a:p>
             <a:fld id="{78CD1D6E-A027-634F-BC83-5ADA8E496EAB}" type="datetimeFigureOut">
               <a:rPr lang="en-US" smtClean="0"/>
-              <a:t>3/26/2024</a:t>
+              <a:t>3/28/24</a:t>
             </a:fld>
             <a:endParaRPr lang="en-US"/>
           </a:p>
@@ -3589,7 +3933,7 @@
           <a:p>
             <a:fld id="{78CD1D6E-A027-634F-BC83-5ADA8E496EAB}" type="datetimeFigureOut">
               <a:rPr lang="en-US" smtClean="0"/>
-              <a:t>3/26/2024</a:t>
+              <a:t>3/28/24</a:t>
             </a:fld>
             <a:endParaRPr lang="en-US"/>
           </a:p>
@@ -3702,7 +4046,7 @@
           <a:p>
             <a:fld id="{78CD1D6E-A027-634F-BC83-5ADA8E496EAB}" type="datetimeFigureOut">
               <a:rPr lang="en-US" smtClean="0"/>
-              <a:t>3/26/2024</a:t>
+              <a:t>3/28/24</a:t>
             </a:fld>
             <a:endParaRPr lang="en-US"/>
           </a:p>
@@ -3810,7 +4154,7 @@
         </p:nvSpPr>
         <p:spPr>
           <a:xfrm>
-            <a:off x="839788" y="457200"/>
+            <a:off x="839789" y="457200"/>
             <a:ext cx="3932237" cy="1600200"/>
           </a:xfrm>
         </p:spPr>
@@ -3847,7 +4191,7 @@
         </p:nvSpPr>
         <p:spPr>
           <a:xfrm>
-            <a:off x="5183188" y="987425"/>
+            <a:off x="5183188" y="987426"/>
             <a:ext cx="6172200" cy="4873625"/>
           </a:xfrm>
         </p:spPr>
@@ -3937,7 +4281,7 @@
         </p:nvSpPr>
         <p:spPr>
           <a:xfrm>
-            <a:off x="839788" y="2057400"/>
+            <a:off x="839789" y="2057400"/>
             <a:ext cx="3932237" cy="3811588"/>
           </a:xfrm>
         </p:spPr>
@@ -3948,35 +4292,35 @@
               <a:buNone/>
               <a:defRPr sz="1600"/>
             </a:lvl1pPr>
-            <a:lvl2pPr marL="457200" indent="0">
+            <a:lvl2pPr marL="457175" indent="0">
               <a:buNone/>
               <a:defRPr sz="1400"/>
             </a:lvl2pPr>
-            <a:lvl3pPr marL="914400" indent="0">
+            <a:lvl3pPr marL="914350" indent="0">
               <a:buNone/>
               <a:defRPr sz="1200"/>
             </a:lvl3pPr>
-            <a:lvl4pPr marL="1371600" indent="0">
+            <a:lvl4pPr marL="1371525" indent="0">
               <a:buNone/>
               <a:defRPr sz="1000"/>
             </a:lvl4pPr>
-            <a:lvl5pPr marL="1828800" indent="0">
+            <a:lvl5pPr marL="1828699" indent="0">
               <a:buNone/>
               <a:defRPr sz="1000"/>
             </a:lvl5pPr>
-            <a:lvl6pPr marL="2286000" indent="0">
+            <a:lvl6pPr marL="2285874" indent="0">
               <a:buNone/>
               <a:defRPr sz="1000"/>
             </a:lvl6pPr>
-            <a:lvl7pPr marL="2743200" indent="0">
+            <a:lvl7pPr marL="2743049" indent="0">
               <a:buNone/>
               <a:defRPr sz="1000"/>
             </a:lvl7pPr>
-            <a:lvl8pPr marL="3200400" indent="0">
+            <a:lvl8pPr marL="3200224" indent="0">
               <a:buNone/>
               <a:defRPr sz="1000"/>
             </a:lvl8pPr>
-            <a:lvl9pPr marL="3657600" indent="0">
+            <a:lvl9pPr marL="3657399" indent="0">
               <a:buNone/>
               <a:defRPr sz="1000"/>
             </a:lvl9pPr>
@@ -4013,7 +4357,7 @@
           <a:p>
             <a:fld id="{78CD1D6E-A027-634F-BC83-5ADA8E496EAB}" type="datetimeFigureOut">
               <a:rPr lang="en-US" smtClean="0"/>
-              <a:t>3/26/2024</a:t>
+              <a:t>3/28/24</a:t>
             </a:fld>
             <a:endParaRPr lang="en-US"/>
           </a:p>
@@ -4121,7 +4465,7 @@
         </p:nvSpPr>
         <p:spPr>
           <a:xfrm>
-            <a:off x="839788" y="457200"/>
+            <a:off x="839789" y="457200"/>
             <a:ext cx="3932237" cy="1600200"/>
           </a:xfrm>
         </p:spPr>
@@ -4158,7 +4502,7 @@
         </p:nvSpPr>
         <p:spPr>
           <a:xfrm>
-            <a:off x="5183188" y="987425"/>
+            <a:off x="5183188" y="987426"/>
             <a:ext cx="6172200" cy="4873625"/>
           </a:xfrm>
         </p:spPr>
@@ -4169,35 +4513,35 @@
               <a:buNone/>
               <a:defRPr sz="3200"/>
             </a:lvl1pPr>
-            <a:lvl2pPr marL="457200" indent="0">
+            <a:lvl2pPr marL="457175" indent="0">
               <a:buNone/>
               <a:defRPr sz="2800"/>
             </a:lvl2pPr>
-            <a:lvl3pPr marL="914400" indent="0">
+            <a:lvl3pPr marL="914350" indent="0">
               <a:buNone/>
               <a:defRPr sz="2400"/>
             </a:lvl3pPr>
-            <a:lvl4pPr marL="1371600" indent="0">
+            <a:lvl4pPr marL="1371525" indent="0">
               <a:buNone/>
               <a:defRPr sz="2000"/>
             </a:lvl4pPr>
-            <a:lvl5pPr marL="1828800" indent="0">
+            <a:lvl5pPr marL="1828699" indent="0">
               <a:buNone/>
               <a:defRPr sz="2000"/>
             </a:lvl5pPr>
-            <a:lvl6pPr marL="2286000" indent="0">
+            <a:lvl6pPr marL="2285874" indent="0">
               <a:buNone/>
               <a:defRPr sz="2000"/>
             </a:lvl6pPr>
-            <a:lvl7pPr marL="2743200" indent="0">
+            <a:lvl7pPr marL="2743049" indent="0">
               <a:buNone/>
               <a:defRPr sz="2000"/>
             </a:lvl7pPr>
-            <a:lvl8pPr marL="3200400" indent="0">
+            <a:lvl8pPr marL="3200224" indent="0">
               <a:buNone/>
               <a:defRPr sz="2000"/>
             </a:lvl8pPr>
-            <a:lvl9pPr marL="3657600" indent="0">
+            <a:lvl9pPr marL="3657399" indent="0">
               <a:buNone/>
               <a:defRPr sz="2000"/>
             </a:lvl9pPr>
@@ -4225,7 +4569,7 @@
         </p:nvSpPr>
         <p:spPr>
           <a:xfrm>
-            <a:off x="839788" y="2057400"/>
+            <a:off x="839789" y="2057400"/>
             <a:ext cx="3932237" cy="3811588"/>
           </a:xfrm>
         </p:spPr>
@@ -4236,35 +4580,35 @@
               <a:buNone/>
               <a:defRPr sz="1600"/>
             </a:lvl1pPr>
-            <a:lvl2pPr marL="457200" indent="0">
+            <a:lvl2pPr marL="457175" indent="0">
               <a:buNone/>
               <a:defRPr sz="1400"/>
             </a:lvl2pPr>
-            <a:lvl3pPr marL="914400" indent="0">
+            <a:lvl3pPr marL="914350" indent="0">
               <a:buNone/>
               <a:defRPr sz="1200"/>
             </a:lvl3pPr>
-            <a:lvl4pPr marL="1371600" indent="0">
+            <a:lvl4pPr marL="1371525" indent="0">
               <a:buNone/>
               <a:defRPr sz="1000"/>
             </a:lvl4pPr>
-            <a:lvl5pPr marL="1828800" indent="0">
+            <a:lvl5pPr marL="1828699" indent="0">
               <a:buNone/>
               <a:defRPr sz="1000"/>
             </a:lvl5pPr>
-            <a:lvl6pPr marL="2286000" indent="0">
+            <a:lvl6pPr marL="2285874" indent="0">
               <a:buNone/>
               <a:defRPr sz="1000"/>
             </a:lvl6pPr>
-            <a:lvl7pPr marL="2743200" indent="0">
+            <a:lvl7pPr marL="2743049" indent="0">
               <a:buNone/>
               <a:defRPr sz="1000"/>
             </a:lvl7pPr>
-            <a:lvl8pPr marL="3200400" indent="0">
+            <a:lvl8pPr marL="3200224" indent="0">
               <a:buNone/>
               <a:defRPr sz="1000"/>
             </a:lvl8pPr>
-            <a:lvl9pPr marL="3657600" indent="0">
+            <a:lvl9pPr marL="3657399" indent="0">
               <a:buNone/>
               <a:defRPr sz="1000"/>
             </a:lvl9pPr>
@@ -4301,7 +4645,7 @@
           <a:p>
             <a:fld id="{78CD1D6E-A027-634F-BC83-5ADA8E496EAB}" type="datetimeFigureOut">
               <a:rPr lang="en-US" smtClean="0"/>
-              <a:t>3/26/2024</a:t>
+              <a:t>3/28/24</a:t>
             </a:fld>
             <a:endParaRPr lang="en-US"/>
           </a:p>
@@ -4414,7 +4758,7 @@
         </p:nvSpPr>
         <p:spPr>
           <a:xfrm>
-            <a:off x="838200" y="365125"/>
+            <a:off x="838200" y="365126"/>
             <a:ext cx="10515600" cy="1325563"/>
           </a:xfrm>
           <a:prstGeom prst="rect">
@@ -4519,7 +4863,7 @@
         </p:nvSpPr>
         <p:spPr>
           <a:xfrm>
-            <a:off x="838200" y="6356350"/>
+            <a:off x="838200" y="6356354"/>
             <a:ext cx="2743200" cy="365125"/>
           </a:xfrm>
           <a:prstGeom prst="rect">
@@ -4542,7 +4886,7 @@
           <a:p>
             <a:fld id="{78CD1D6E-A027-634F-BC83-5ADA8E496EAB}" type="datetimeFigureOut">
               <a:rPr lang="en-US" smtClean="0"/>
-              <a:t>3/26/2024</a:t>
+              <a:t>3/28/24</a:t>
             </a:fld>
             <a:endParaRPr lang="en-US"/>
           </a:p>
@@ -4566,7 +4910,7 @@
         </p:nvSpPr>
         <p:spPr>
           <a:xfrm>
-            <a:off x="4038600" y="6356350"/>
+            <a:off x="4038600" y="6356354"/>
             <a:ext cx="4114800" cy="365125"/>
           </a:xfrm>
           <a:prstGeom prst="rect">
@@ -4609,7 +4953,7 @@
         </p:nvSpPr>
         <p:spPr>
           <a:xfrm>
-            <a:off x="8610600" y="6356350"/>
+            <a:off x="8610600" y="6356354"/>
             <a:ext cx="2743200" cy="365125"/>
           </a:xfrm>
           <a:prstGeom prst="rect">
@@ -4661,7 +5005,7 @@
   </p:sldLayoutIdLst>
   <p:txStyles>
     <p:titleStyle>
-      <a:lvl1pPr algn="l" defTabSz="914400" rtl="0" eaLnBrk="1" latinLnBrk="0" hangingPunct="1">
+      <a:lvl1pPr algn="l" defTabSz="914350" rtl="0" eaLnBrk="1" latinLnBrk="0" hangingPunct="1">
         <a:lnSpc>
           <a:spcPct val="90000"/>
         </a:lnSpc>
@@ -4680,7 +5024,7 @@
       </a:lvl1pPr>
     </p:titleStyle>
     <p:bodyStyle>
-      <a:lvl1pPr marL="228600" indent="-228600" algn="l" defTabSz="914400" rtl="0" eaLnBrk="1" latinLnBrk="0" hangingPunct="1">
+      <a:lvl1pPr marL="228587" indent="-228587" algn="l" defTabSz="914350" rtl="0" eaLnBrk="1" latinLnBrk="0" hangingPunct="1">
         <a:lnSpc>
           <a:spcPct val="90000"/>
         </a:lnSpc>
@@ -4698,7 +5042,7 @@
           <a:cs typeface="+mn-cs"/>
         </a:defRPr>
       </a:lvl1pPr>
-      <a:lvl2pPr marL="685800" indent="-228600" algn="l" defTabSz="914400" rtl="0" eaLnBrk="1" latinLnBrk="0" hangingPunct="1">
+      <a:lvl2pPr marL="685762" indent="-228587" algn="l" defTabSz="914350" rtl="0" eaLnBrk="1" latinLnBrk="0" hangingPunct="1">
         <a:lnSpc>
           <a:spcPct val="90000"/>
         </a:lnSpc>
@@ -4716,7 +5060,7 @@
           <a:cs typeface="+mn-cs"/>
         </a:defRPr>
       </a:lvl2pPr>
-      <a:lvl3pPr marL="1143000" indent="-228600" algn="l" defTabSz="914400" rtl="0" eaLnBrk="1" latinLnBrk="0" hangingPunct="1">
+      <a:lvl3pPr marL="1142937" indent="-228587" algn="l" defTabSz="914350" rtl="0" eaLnBrk="1" latinLnBrk="0" hangingPunct="1">
         <a:lnSpc>
           <a:spcPct val="90000"/>
         </a:lnSpc>
@@ -4734,7 +5078,7 @@
           <a:cs typeface="+mn-cs"/>
         </a:defRPr>
       </a:lvl3pPr>
-      <a:lvl4pPr marL="1600200" indent="-228600" algn="l" defTabSz="914400" rtl="0" eaLnBrk="1" latinLnBrk="0" hangingPunct="1">
+      <a:lvl4pPr marL="1600112" indent="-228587" algn="l" defTabSz="914350" rtl="0" eaLnBrk="1" latinLnBrk="0" hangingPunct="1">
         <a:lnSpc>
           <a:spcPct val="90000"/>
         </a:lnSpc>
@@ -4752,7 +5096,7 @@
           <a:cs typeface="+mn-cs"/>
         </a:defRPr>
       </a:lvl4pPr>
-      <a:lvl5pPr marL="2057400" indent="-228600" algn="l" defTabSz="914400" rtl="0" eaLnBrk="1" latinLnBrk="0" hangingPunct="1">
+      <a:lvl5pPr marL="2057287" indent="-228587" algn="l" defTabSz="914350" rtl="0" eaLnBrk="1" latinLnBrk="0" hangingPunct="1">
         <a:lnSpc>
           <a:spcPct val="90000"/>
         </a:lnSpc>
@@ -4770,7 +5114,7 @@
           <a:cs typeface="+mn-cs"/>
         </a:defRPr>
       </a:lvl5pPr>
-      <a:lvl6pPr marL="2514600" indent="-228600" algn="l" defTabSz="914400" rtl="0" eaLnBrk="1" latinLnBrk="0" hangingPunct="1">
+      <a:lvl6pPr marL="2514462" indent="-228587" algn="l" defTabSz="914350" rtl="0" eaLnBrk="1" latinLnBrk="0" hangingPunct="1">
         <a:lnSpc>
           <a:spcPct val="90000"/>
         </a:lnSpc>
@@ -4788,7 +5132,7 @@
           <a:cs typeface="+mn-cs"/>
         </a:defRPr>
       </a:lvl6pPr>
-      <a:lvl7pPr marL="2971800" indent="-228600" algn="l" defTabSz="914400" rtl="0" eaLnBrk="1" latinLnBrk="0" hangingPunct="1">
+      <a:lvl7pPr marL="2971637" indent="-228587" algn="l" defTabSz="914350" rtl="0" eaLnBrk="1" latinLnBrk="0" hangingPunct="1">
         <a:lnSpc>
           <a:spcPct val="90000"/>
         </a:lnSpc>
@@ -4806,7 +5150,7 @@
           <a:cs typeface="+mn-cs"/>
         </a:defRPr>
       </a:lvl7pPr>
-      <a:lvl8pPr marL="3429000" indent="-228600" algn="l" defTabSz="914400" rtl="0" eaLnBrk="1" latinLnBrk="0" hangingPunct="1">
+      <a:lvl8pPr marL="3428811" indent="-228587" algn="l" defTabSz="914350" rtl="0" eaLnBrk="1" latinLnBrk="0" hangingPunct="1">
         <a:lnSpc>
           <a:spcPct val="90000"/>
         </a:lnSpc>
@@ -4824,7 +5168,7 @@
           <a:cs typeface="+mn-cs"/>
         </a:defRPr>
       </a:lvl8pPr>
-      <a:lvl9pPr marL="3886200" indent="-228600" algn="l" defTabSz="914400" rtl="0" eaLnBrk="1" latinLnBrk="0" hangingPunct="1">
+      <a:lvl9pPr marL="3885986" indent="-228587" algn="l" defTabSz="914350" rtl="0" eaLnBrk="1" latinLnBrk="0" hangingPunct="1">
         <a:lnSpc>
           <a:spcPct val="90000"/>
         </a:lnSpc>
@@ -4847,7 +5191,7 @@
       <a:defPPr>
         <a:defRPr lang="en-US"/>
       </a:defPPr>
-      <a:lvl1pPr marL="0" algn="l" defTabSz="914400" rtl="0" eaLnBrk="1" latinLnBrk="0" hangingPunct="1">
+      <a:lvl1pPr marL="0" algn="l" defTabSz="914350" rtl="0" eaLnBrk="1" latinLnBrk="0" hangingPunct="1">
         <a:defRPr sz="1800" kern="1200">
           <a:solidFill>
             <a:schemeClr val="tx1"/>
@@ -4857,7 +5201,7 @@
           <a:cs typeface="+mn-cs"/>
         </a:defRPr>
       </a:lvl1pPr>
-      <a:lvl2pPr marL="457200" algn="l" defTabSz="914400" rtl="0" eaLnBrk="1" latinLnBrk="0" hangingPunct="1">
+      <a:lvl2pPr marL="457175" algn="l" defTabSz="914350" rtl="0" eaLnBrk="1" latinLnBrk="0" hangingPunct="1">
         <a:defRPr sz="1800" kern="1200">
           <a:solidFill>
             <a:schemeClr val="tx1"/>
@@ -4867,7 +5211,7 @@
           <a:cs typeface="+mn-cs"/>
         </a:defRPr>
       </a:lvl2pPr>
-      <a:lvl3pPr marL="914400" algn="l" defTabSz="914400" rtl="0" eaLnBrk="1" latinLnBrk="0" hangingPunct="1">
+      <a:lvl3pPr marL="914350" algn="l" defTabSz="914350" rtl="0" eaLnBrk="1" latinLnBrk="0" hangingPunct="1">
         <a:defRPr sz="1800" kern="1200">
           <a:solidFill>
             <a:schemeClr val="tx1"/>
@@ -4877,7 +5221,7 @@
           <a:cs typeface="+mn-cs"/>
         </a:defRPr>
       </a:lvl3pPr>
-      <a:lvl4pPr marL="1371600" algn="l" defTabSz="914400" rtl="0" eaLnBrk="1" latinLnBrk="0" hangingPunct="1">
+      <a:lvl4pPr marL="1371525" algn="l" defTabSz="914350" rtl="0" eaLnBrk="1" latinLnBrk="0" hangingPunct="1">
         <a:defRPr sz="1800" kern="1200">
           <a:solidFill>
             <a:schemeClr val="tx1"/>
@@ -4887,7 +5231,7 @@
           <a:cs typeface="+mn-cs"/>
         </a:defRPr>
       </a:lvl4pPr>
-      <a:lvl5pPr marL="1828800" algn="l" defTabSz="914400" rtl="0" eaLnBrk="1" latinLnBrk="0" hangingPunct="1">
+      <a:lvl5pPr marL="1828699" algn="l" defTabSz="914350" rtl="0" eaLnBrk="1" latinLnBrk="0" hangingPunct="1">
         <a:defRPr sz="1800" kern="1200">
           <a:solidFill>
             <a:schemeClr val="tx1"/>
@@ -4897,7 +5241,7 @@
           <a:cs typeface="+mn-cs"/>
         </a:defRPr>
       </a:lvl5pPr>
-      <a:lvl6pPr marL="2286000" algn="l" defTabSz="914400" rtl="0" eaLnBrk="1" latinLnBrk="0" hangingPunct="1">
+      <a:lvl6pPr marL="2285874" algn="l" defTabSz="914350" rtl="0" eaLnBrk="1" latinLnBrk="0" hangingPunct="1">
         <a:defRPr sz="1800" kern="1200">
           <a:solidFill>
             <a:schemeClr val="tx1"/>
@@ -4907,7 +5251,7 @@
           <a:cs typeface="+mn-cs"/>
         </a:defRPr>
       </a:lvl6pPr>
-      <a:lvl7pPr marL="2743200" algn="l" defTabSz="914400" rtl="0" eaLnBrk="1" latinLnBrk="0" hangingPunct="1">
+      <a:lvl7pPr marL="2743049" algn="l" defTabSz="914350" rtl="0" eaLnBrk="1" latinLnBrk="0" hangingPunct="1">
         <a:defRPr sz="1800" kern="1200">
           <a:solidFill>
             <a:schemeClr val="tx1"/>
@@ -4917,7 +5261,7 @@
           <a:cs typeface="+mn-cs"/>
         </a:defRPr>
       </a:lvl7pPr>
-      <a:lvl8pPr marL="3200400" algn="l" defTabSz="914400" rtl="0" eaLnBrk="1" latinLnBrk="0" hangingPunct="1">
+      <a:lvl8pPr marL="3200224" algn="l" defTabSz="914350" rtl="0" eaLnBrk="1" latinLnBrk="0" hangingPunct="1">
         <a:defRPr sz="1800" kern="1200">
           <a:solidFill>
             <a:schemeClr val="tx1"/>
@@ -4927,7 +5271,7 @@
           <a:cs typeface="+mn-cs"/>
         </a:defRPr>
       </a:lvl8pPr>
-      <a:lvl9pPr marL="3657600" algn="l" defTabSz="914400" rtl="0" eaLnBrk="1" latinLnBrk="0" hangingPunct="1">
+      <a:lvl9pPr marL="3657399" algn="l" defTabSz="914350" rtl="0" eaLnBrk="1" latinLnBrk="0" hangingPunct="1">
         <a:defRPr sz="1800" kern="1200">
           <a:solidFill>
             <a:schemeClr val="tx1"/>
@@ -6187,7 +6531,7 @@
         </p:blipFill>
         <p:spPr>
           <a:xfrm>
-            <a:off x="6337377" y="2773254"/>
+            <a:off x="6337380" y="2773257"/>
             <a:ext cx="5854623" cy="2972347"/>
           </a:xfrm>
           <a:prstGeom prst="rect">
@@ -7181,7 +7525,7 @@
         </p:nvSpPr>
         <p:spPr>
           <a:xfrm>
-            <a:off x="838199" y="1825625"/>
+            <a:off x="838202" y="1825625"/>
             <a:ext cx="10702159" cy="4351338"/>
           </a:xfrm>
         </p:spPr>
@@ -9449,7 +9793,7 @@
         </p:blipFill>
         <p:spPr>
           <a:xfrm>
-            <a:off x="2691029" y="2524537"/>
+            <a:off x="2691032" y="2524537"/>
             <a:ext cx="6988389" cy="3162246"/>
           </a:xfrm>
           <a:prstGeom prst="rect">
@@ -10196,7 +10540,7 @@
         </p:blipFill>
         <p:spPr>
           <a:xfrm>
-            <a:off x="6675120" y="3188099"/>
+            <a:off x="6675120" y="3188100"/>
             <a:ext cx="4678680" cy="3382518"/>
           </a:xfrm>
           <a:prstGeom prst="rect">
@@ -11188,7 +11532,7 @@
         </p:nvSpPr>
         <p:spPr>
           <a:xfrm>
-            <a:off x="7597358" y="161145"/>
+            <a:off x="7597360" y="161145"/>
             <a:ext cx="4457047" cy="923330"/>
           </a:xfrm>
           <a:prstGeom prst="rect">
@@ -11208,7 +11552,7 @@
             </a:r>
           </a:p>
           <a:p>
-            <a:pPr marL="342900" indent="-342900">
+            <a:pPr marL="342881" indent="-342881">
               <a:buAutoNum type="arabicPeriod"/>
             </a:pPr>
             <a:r>
@@ -11217,7 +11561,7 @@
             </a:r>
           </a:p>
           <a:p>
-            <a:pPr marL="342900" indent="-342900">
+            <a:pPr marL="342881" indent="-342881">
               <a:buAutoNum type="arabicPeriod"/>
             </a:pPr>
             <a:r>
@@ -11261,7 +11605,7 @@
             </a:r>
           </a:p>
           <a:p>
-            <a:pPr marL="342900" indent="-342900">
+            <a:pPr marL="342881" indent="-342881">
               <a:buAutoNum type="arabicPeriod"/>
             </a:pPr>
             <a:r>
@@ -11270,7 +11614,7 @@
             </a:r>
           </a:p>
           <a:p>
-            <a:pPr marL="342900" indent="-342900">
+            <a:pPr marL="342881" indent="-342881">
               <a:buAutoNum type="arabicPeriod"/>
             </a:pPr>
             <a:r>
@@ -11279,7 +11623,7 @@
             </a:r>
           </a:p>
           <a:p>
-            <a:pPr marL="342900" indent="-342900">
+            <a:pPr marL="342881" indent="-342881">
               <a:buAutoNum type="arabicPeriod"/>
             </a:pPr>
             <a:r>
@@ -11288,7 +11632,7 @@
             </a:r>
           </a:p>
           <a:p>
-            <a:pPr marL="342900" indent="-342900">
+            <a:pPr marL="342881" indent="-342881">
               <a:buAutoNum type="arabicPeriod"/>
             </a:pPr>
             <a:r>
@@ -11312,7 +11656,7 @@
         </p:nvSpPr>
         <p:spPr>
           <a:xfrm>
-            <a:off x="8407453" y="1293749"/>
+            <a:off x="8407455" y="1293749"/>
             <a:ext cx="3466883" cy="2862322"/>
           </a:xfrm>
           <a:prstGeom prst="rect">
@@ -11542,7 +11886,7 @@
         </p:blipFill>
         <p:spPr>
           <a:xfrm>
-            <a:off x="6038822" y="2816353"/>
+            <a:off x="6038825" y="2816354"/>
             <a:ext cx="3110193" cy="2881666"/>
           </a:xfrm>
           <a:prstGeom prst="rect">
@@ -12013,7 +12357,7 @@
         </p:blipFill>
         <p:spPr>
           <a:xfrm>
-            <a:off x="1617683" y="323957"/>
+            <a:off x="1617685" y="323959"/>
             <a:ext cx="8409365" cy="6079497"/>
           </a:xfrm>
           <a:prstGeom prst="rect">
@@ -12118,7 +12462,7 @@
         </p:nvSpPr>
         <p:spPr>
           <a:xfrm>
-            <a:off x="3050381" y="3105835"/>
+            <a:off x="3050381" y="3105837"/>
             <a:ext cx="6100762" cy="646331"/>
           </a:xfrm>
           <a:prstGeom prst="rect">
@@ -12383,7 +12727,7 @@
         </p:nvSpPr>
         <p:spPr>
           <a:xfrm>
-            <a:off x="838199" y="1825625"/>
+            <a:off x="838200" y="1825625"/>
             <a:ext cx="11095300" cy="4351338"/>
           </a:xfrm>
         </p:spPr>
@@ -13461,7 +13805,7 @@
         </p:blipFill>
         <p:spPr>
           <a:xfrm>
-            <a:off x="1209045" y="3435965"/>
+            <a:off x="1209048" y="3435968"/>
             <a:ext cx="2350201" cy="2875935"/>
           </a:xfrm>
           <a:prstGeom prst="rect">
@@ -13491,7 +13835,7 @@
         </p:blipFill>
         <p:spPr>
           <a:xfrm>
-            <a:off x="4220481" y="3429000"/>
+            <a:off x="4220482" y="3429001"/>
             <a:ext cx="7504164" cy="2534996"/>
           </a:xfrm>
           <a:prstGeom prst="rect">
@@ -15334,7 +15678,7 @@
         </p:nvSpPr>
         <p:spPr>
           <a:xfrm>
-            <a:off x="838200" y="635000"/>
+            <a:off x="838200" y="635002"/>
             <a:ext cx="10515600" cy="5541963"/>
           </a:xfrm>
         </p:spPr>
@@ -15596,7 +15940,7 @@
         </p:nvSpPr>
         <p:spPr>
           <a:xfrm>
-            <a:off x="838200" y="635000"/>
+            <a:off x="838200" y="635002"/>
             <a:ext cx="10515600" cy="5541963"/>
           </a:xfrm>
         </p:spPr>
@@ -16059,7 +16403,7 @@
         </p:nvSpPr>
         <p:spPr>
           <a:xfrm>
-            <a:off x="838200" y="635000"/>
+            <a:off x="838200" y="635002"/>
             <a:ext cx="10515600" cy="5541963"/>
           </a:xfrm>
         </p:spPr>
@@ -16185,7 +16529,7 @@
         </p:blipFill>
         <p:spPr>
           <a:xfrm>
-            <a:off x="8226005" y="228600"/>
+            <a:off x="8226007" y="228602"/>
             <a:ext cx="3600235" cy="4536757"/>
           </a:xfrm>
           <a:prstGeom prst="rect">
@@ -16241,7 +16585,7 @@
         </p:nvSpPr>
         <p:spPr>
           <a:xfrm>
-            <a:off x="838200" y="513080"/>
+            <a:off x="838200" y="513082"/>
             <a:ext cx="10515600" cy="5663883"/>
           </a:xfrm>
         </p:spPr>
@@ -16350,7 +16694,7 @@
         </p:nvSpPr>
         <p:spPr>
           <a:xfrm>
-            <a:off x="838200" y="589280"/>
+            <a:off x="838200" y="589282"/>
             <a:ext cx="10515600" cy="5587683"/>
           </a:xfrm>
         </p:spPr>
@@ -16431,7 +16775,7 @@
         </p:blipFill>
         <p:spPr>
           <a:xfrm>
-            <a:off x="1645920" y="3429000"/>
+            <a:off x="1645920" y="3429003"/>
             <a:ext cx="8900160" cy="3320059"/>
           </a:xfrm>
           <a:prstGeom prst="rect">
@@ -16567,7 +16911,7 @@
         </p:nvSpPr>
         <p:spPr>
           <a:xfrm>
-            <a:off x="838200" y="589808"/>
+            <a:off x="838200" y="589810"/>
             <a:ext cx="10515600" cy="5587155"/>
           </a:xfrm>
         </p:spPr>
@@ -16663,7 +17007,7 @@
         </p:nvSpPr>
         <p:spPr>
           <a:xfrm>
-            <a:off x="838200" y="613558"/>
+            <a:off x="838200" y="613560"/>
             <a:ext cx="10515600" cy="5563405"/>
           </a:xfrm>
         </p:spPr>
@@ -16739,7 +17083,7 @@
         </p:nvSpPr>
         <p:spPr>
           <a:xfrm>
-            <a:off x="838200" y="629392"/>
+            <a:off x="838200" y="629394"/>
             <a:ext cx="10515600" cy="5547571"/>
           </a:xfrm>
         </p:spPr>
@@ -18088,6 +18432,21 @@
               <a:t>Measure the randomness or predictability in packet sizes and inter-arrival times</a:t>
             </a:r>
           </a:p>
+          <a:p>
+            <a:r>
+              <a:rPr lang="en-US" dirty="0"/>
+              <a:t>More</a:t>
+            </a:r>
+            <a:r>
+              <a:rPr lang="zh-CN" altLang="en-US" dirty="0"/>
+              <a:t> </a:t>
+            </a:r>
+            <a:r>
+              <a:rPr lang="en-US" altLang="zh-CN" dirty="0"/>
+              <a:t>….</a:t>
+            </a:r>
+            <a:endParaRPr lang="en-US" dirty="0"/>
+          </a:p>
         </p:txBody>
       </p:sp>
     </p:spTree>
@@ -18176,7 +18535,7 @@
         </p:nvSpPr>
         <p:spPr>
           <a:xfrm>
-            <a:off x="527901" y="1272619"/>
+            <a:off x="527904" y="1272619"/>
             <a:ext cx="11151909" cy="4904344"/>
           </a:xfrm>
         </p:spPr>
@@ -18288,58 +18647,6 @@
               <a:rPr lang="en-US" altLang="zh-CN" dirty="0"/>
               <a:t>analysis?</a:t>
             </a:r>
-          </a:p>
-          <a:p>
-            <a:pPr lvl="1"/>
-            <a:r>
-              <a:rPr lang="en-US" altLang="zh-CN" dirty="0"/>
-              <a:t>What</a:t>
-            </a:r>
-            <a:r>
-              <a:rPr lang="zh-CN" altLang="en-US" dirty="0"/>
-              <a:t> </a:t>
-            </a:r>
-            <a:r>
-              <a:rPr lang="en-US" altLang="zh-CN" dirty="0"/>
-              <a:t>is</a:t>
-            </a:r>
-            <a:r>
-              <a:rPr lang="zh-CN" altLang="en-US" dirty="0"/>
-              <a:t> </a:t>
-            </a:r>
-            <a:r>
-              <a:rPr lang="en-US" altLang="zh-CN" dirty="0"/>
-              <a:t>the</a:t>
-            </a:r>
-            <a:r>
-              <a:rPr lang="zh-CN" altLang="en-US" dirty="0"/>
-              <a:t> </a:t>
-            </a:r>
-            <a:r>
-              <a:rPr lang="en-US" altLang="zh-CN" dirty="0"/>
-              <a:t>concept</a:t>
-            </a:r>
-            <a:r>
-              <a:rPr lang="zh-CN" altLang="en-US" dirty="0"/>
-              <a:t> </a:t>
-            </a:r>
-            <a:r>
-              <a:rPr lang="en-US" altLang="zh-CN" dirty="0"/>
-              <a:t>of</a:t>
-            </a:r>
-            <a:r>
-              <a:rPr lang="zh-CN" altLang="en-US" dirty="0"/>
-              <a:t> </a:t>
-            </a:r>
-            <a:r>
-              <a:rPr lang="en-US" altLang="zh-CN" dirty="0"/>
-              <a:t>similarity?</a:t>
-            </a:r>
-            <a:r>
-              <a:rPr lang="zh-CN" altLang="en-US" dirty="0"/>
-              <a:t> </a:t>
-            </a:r>
-            <a:endParaRPr lang="en-US" altLang="zh-CN" dirty="0"/>
           </a:p>
           <a:p>
             <a:pPr lvl="1"/>
@@ -18874,7 +19181,7 @@
         </p:nvSpPr>
         <p:spPr>
           <a:xfrm>
-            <a:off x="838200" y="195443"/>
+            <a:off x="838200" y="195445"/>
             <a:ext cx="10515600" cy="1325563"/>
           </a:xfrm>
         </p:spPr>
@@ -19371,7 +19678,7 @@
         </p:nvSpPr>
         <p:spPr>
           <a:xfrm>
-            <a:off x="838200" y="126165"/>
+            <a:off x="838200" y="126167"/>
             <a:ext cx="10515600" cy="1325563"/>
           </a:xfrm>
         </p:spPr>
@@ -19413,7 +19720,7 @@
         </p:nvSpPr>
         <p:spPr>
           <a:xfrm>
-            <a:off x="838200" y="1451728"/>
+            <a:off x="838200" y="1451731"/>
             <a:ext cx="10515600" cy="4725235"/>
           </a:xfrm>
         </p:spPr>
@@ -19964,7 +20271,7 @@
           <p:cNvPr id="2" name="Title 1">
             <a:extLst>
               <a:ext uri="{FF2B5EF4-FFF2-40B4-BE49-F238E27FC236}">
-                <a16:creationId xmlns:a16="http://schemas.microsoft.com/office/drawing/2014/main" id="{5E1BF75B-E26A-77F3-9228-841F6E2E0DDC}"/>
+                <a16:creationId xmlns:a16="http://schemas.microsoft.com/office/drawing/2014/main" id="{2A4395DE-5A9F-B409-AB3B-FC013DA32BB5}"/>
               </a:ext>
             </a:extLst>
           </p:cNvPr>
@@ -19981,9 +20288,18 @@
           <a:lstStyle/>
           <a:p>
             <a:r>
-              <a:rPr lang="en-US" dirty="0"/>
-              <a:t>Database </a:t>
-            </a:r>
+              <a:rPr lang="en-US" altLang="zh-CN" dirty="0"/>
+              <a:t>Activities</a:t>
+            </a:r>
+            <a:r>
+              <a:rPr lang="zh-CN" altLang="en-US" dirty="0"/>
+              <a:t> </a:t>
+            </a:r>
+            <a:r>
+              <a:rPr lang="en-US" altLang="zh-CN" dirty="0"/>
+              <a:t>History</a:t>
+            </a:r>
+            <a:endParaRPr lang="en-US" dirty="0"/>
           </a:p>
         </p:txBody>
       </p:sp>
@@ -19992,7 +20308,7 @@
           <p:cNvPr id="3" name="Content Placeholder 2">
             <a:extLst>
               <a:ext uri="{FF2B5EF4-FFF2-40B4-BE49-F238E27FC236}">
-                <a16:creationId xmlns:a16="http://schemas.microsoft.com/office/drawing/2014/main" id="{79F25DC1-44DB-5C49-A5C2-9FEC32100E49}"/>
+                <a16:creationId xmlns:a16="http://schemas.microsoft.com/office/drawing/2014/main" id="{89063910-CD08-CB33-034D-7323751BF564}"/>
               </a:ext>
             </a:extLst>
           </p:cNvPr>
@@ -20008,34 +20324,14 @@
           <a:bodyPr/>
           <a:lstStyle/>
           <a:p>
-            <a:r>
-              <a:rPr lang="en-US" dirty="0"/>
-              <a:t>Application Scenarios: </a:t>
-            </a:r>
-          </a:p>
-          <a:p>
-            <a:pPr lvl="1"/>
-            <a:r>
-              <a:rPr lang="en-US" dirty="0"/>
-              <a:t>Outside attacker monitors traffic continuously for a long time.</a:t>
-            </a:r>
-          </a:p>
-          <a:p>
-            <a:pPr lvl="1"/>
-            <a:endParaRPr lang="en-US" dirty="0"/>
-          </a:p>
-          <a:p>
-            <a:r>
-              <a:rPr lang="en-US" dirty="0"/>
-              <a:t>  </a:t>
-            </a:r>
+            <a:endParaRPr lang="en-US"/>
           </a:p>
         </p:txBody>
       </p:sp>
     </p:spTree>
     <p:extLst>
       <p:ext uri="{BB962C8B-B14F-4D97-AF65-F5344CB8AC3E}">
-        <p14:creationId xmlns:p14="http://schemas.microsoft.com/office/powerpoint/2010/main" val="4264546798"/>
+        <p14:creationId xmlns:p14="http://schemas.microsoft.com/office/powerpoint/2010/main" val="269686512"/>
       </p:ext>
     </p:extLst>
   </p:cSld>
@@ -20134,6 +20430,189 @@
     <p:extLst>
       <p:ext uri="{BB962C8B-B14F-4D97-AF65-F5344CB8AC3E}">
         <p14:creationId xmlns:p14="http://schemas.microsoft.com/office/powerpoint/2010/main" val="2120829837"/>
+      </p:ext>
+    </p:extLst>
+  </p:cSld>
+  <p:clrMapOvr>
+    <a:masterClrMapping/>
+  </p:clrMapOvr>
+</p:sld>
+</file>
+
+<file path=ppt/slides/slide80.xml><?xml version="1.0" encoding="utf-8"?>
+<p:sld xmlns:a="http://schemas.openxmlformats.org/drawingml/2006/main" xmlns:r="http://schemas.openxmlformats.org/officeDocument/2006/relationships" xmlns:p="http://schemas.openxmlformats.org/presentationml/2006/main">
+  <p:cSld>
+    <p:spTree>
+      <p:nvGrpSpPr>
+        <p:cNvPr id="1" name=""/>
+        <p:cNvGrpSpPr/>
+        <p:nvPr/>
+      </p:nvGrpSpPr>
+      <p:grpSpPr>
+        <a:xfrm>
+          <a:off x="0" y="0"/>
+          <a:ext cx="0" cy="0"/>
+          <a:chOff x="0" y="0"/>
+          <a:chExt cx="0" cy="0"/>
+        </a:xfrm>
+      </p:grpSpPr>
+      <p:sp>
+        <p:nvSpPr>
+          <p:cNvPr id="2" name="Title 1">
+            <a:extLst>
+              <a:ext uri="{FF2B5EF4-FFF2-40B4-BE49-F238E27FC236}">
+                <a16:creationId xmlns:a16="http://schemas.microsoft.com/office/drawing/2014/main" id="{5E1BF75B-E26A-77F3-9228-841F6E2E0DDC}"/>
+              </a:ext>
+            </a:extLst>
+          </p:cNvPr>
+          <p:cNvSpPr>
+            <a:spLocks noGrp="1"/>
+          </p:cNvSpPr>
+          <p:nvPr>
+            <p:ph type="title"/>
+          </p:nvPr>
+        </p:nvSpPr>
+        <p:spPr/>
+        <p:txBody>
+          <a:bodyPr/>
+          <a:lstStyle/>
+          <a:p>
+            <a:r>
+              <a:rPr lang="en-US" dirty="0"/>
+              <a:t>Database </a:t>
+            </a:r>
+          </a:p>
+        </p:txBody>
+      </p:sp>
+      <p:sp>
+        <p:nvSpPr>
+          <p:cNvPr id="3" name="Content Placeholder 2">
+            <a:extLst>
+              <a:ext uri="{FF2B5EF4-FFF2-40B4-BE49-F238E27FC236}">
+                <a16:creationId xmlns:a16="http://schemas.microsoft.com/office/drawing/2014/main" id="{79F25DC1-44DB-5C49-A5C2-9FEC32100E49}"/>
+              </a:ext>
+            </a:extLst>
+          </p:cNvPr>
+          <p:cNvSpPr>
+            <a:spLocks noGrp="1"/>
+          </p:cNvSpPr>
+          <p:nvPr>
+            <p:ph idx="1"/>
+          </p:nvPr>
+        </p:nvSpPr>
+        <p:spPr/>
+        <p:txBody>
+          <a:bodyPr/>
+          <a:lstStyle/>
+          <a:p>
+            <a:r>
+              <a:rPr lang="en-US" dirty="0"/>
+              <a:t>Application Scenarios: </a:t>
+            </a:r>
+          </a:p>
+          <a:p>
+            <a:pPr lvl="1"/>
+            <a:r>
+              <a:rPr lang="en-US" dirty="0"/>
+              <a:t>Outside attacker monitors traffic continuously for a long time.</a:t>
+            </a:r>
+          </a:p>
+          <a:p>
+            <a:pPr lvl="1"/>
+            <a:endParaRPr lang="en-US" dirty="0"/>
+          </a:p>
+          <a:p>
+            <a:r>
+              <a:rPr lang="en-US" dirty="0"/>
+              <a:t>  </a:t>
+            </a:r>
+          </a:p>
+        </p:txBody>
+      </p:sp>
+    </p:spTree>
+    <p:extLst>
+      <p:ext uri="{BB962C8B-B14F-4D97-AF65-F5344CB8AC3E}">
+        <p14:creationId xmlns:p14="http://schemas.microsoft.com/office/powerpoint/2010/main" val="4264546798"/>
+      </p:ext>
+    </p:extLst>
+  </p:cSld>
+  <p:clrMapOvr>
+    <a:masterClrMapping/>
+  </p:clrMapOvr>
+</p:sld>
+</file>
+
+<file path=ppt/slides/slide81.xml><?xml version="1.0" encoding="utf-8"?>
+<p:sld xmlns:a="http://schemas.openxmlformats.org/drawingml/2006/main" xmlns:r="http://schemas.openxmlformats.org/officeDocument/2006/relationships" xmlns:p="http://schemas.openxmlformats.org/presentationml/2006/main">
+  <p:cSld>
+    <p:spTree>
+      <p:nvGrpSpPr>
+        <p:cNvPr id="1" name=""/>
+        <p:cNvGrpSpPr/>
+        <p:nvPr/>
+      </p:nvGrpSpPr>
+      <p:grpSpPr>
+        <a:xfrm>
+          <a:off x="0" y="0"/>
+          <a:ext cx="0" cy="0"/>
+          <a:chOff x="0" y="0"/>
+          <a:chExt cx="0" cy="0"/>
+        </a:xfrm>
+      </p:grpSpPr>
+      <p:sp>
+        <p:nvSpPr>
+          <p:cNvPr id="2" name="Title 1">
+            <a:extLst>
+              <a:ext uri="{FF2B5EF4-FFF2-40B4-BE49-F238E27FC236}">
+                <a16:creationId xmlns:a16="http://schemas.microsoft.com/office/drawing/2014/main" id="{8A002525-4A73-212B-D868-513F0B683024}"/>
+              </a:ext>
+            </a:extLst>
+          </p:cNvPr>
+          <p:cNvSpPr>
+            <a:spLocks noGrp="1"/>
+          </p:cNvSpPr>
+          <p:nvPr>
+            <p:ph type="title"/>
+          </p:nvPr>
+        </p:nvSpPr>
+        <p:spPr/>
+        <p:txBody>
+          <a:bodyPr/>
+          <a:lstStyle/>
+          <a:p>
+            <a:endParaRPr lang="en-US"/>
+          </a:p>
+        </p:txBody>
+      </p:sp>
+      <p:sp>
+        <p:nvSpPr>
+          <p:cNvPr id="3" name="Content Placeholder 2">
+            <a:extLst>
+              <a:ext uri="{FF2B5EF4-FFF2-40B4-BE49-F238E27FC236}">
+                <a16:creationId xmlns:a16="http://schemas.microsoft.com/office/drawing/2014/main" id="{D1584BA0-99DB-AAF9-C072-3B0A081CEC9A}"/>
+              </a:ext>
+            </a:extLst>
+          </p:cNvPr>
+          <p:cNvSpPr>
+            <a:spLocks noGrp="1"/>
+          </p:cNvSpPr>
+          <p:nvPr>
+            <p:ph idx="1"/>
+          </p:nvPr>
+        </p:nvSpPr>
+        <p:spPr/>
+        <p:txBody>
+          <a:bodyPr/>
+          <a:lstStyle/>
+          <a:p>
+            <a:endParaRPr lang="en-US"/>
+          </a:p>
+        </p:txBody>
+      </p:sp>
+    </p:spTree>
+    <p:extLst>
+      <p:ext uri="{BB962C8B-B14F-4D97-AF65-F5344CB8AC3E}">
+        <p14:creationId xmlns:p14="http://schemas.microsoft.com/office/powerpoint/2010/main" val="560269799"/>
       </p:ext>
     </p:extLst>
   </p:cSld>
